--- a/PPP/Swagger_ppp.pptx
+++ b/PPP/Swagger_ppp.pptx
@@ -5,7 +5,7 @@
     <p:sldMasterId id="2147483722" r:id="rId4"/>
   </p:sldMasterIdLst>
   <p:notesMasterIdLst>
-    <p:notesMasterId r:id="rId19"/>
+    <p:notesMasterId r:id="rId20"/>
   </p:notesMasterIdLst>
   <p:sldIdLst>
     <p:sldId id="258" r:id="rId5"/>
@@ -19,9 +19,10 @@
     <p:sldId id="270" r:id="rId13"/>
     <p:sldId id="267" r:id="rId14"/>
     <p:sldId id="271" r:id="rId15"/>
-    <p:sldId id="272" r:id="rId16"/>
-    <p:sldId id="269" r:id="rId17"/>
-    <p:sldId id="268" r:id="rId18"/>
+    <p:sldId id="273" r:id="rId16"/>
+    <p:sldId id="272" r:id="rId17"/>
+    <p:sldId id="269" r:id="rId18"/>
+    <p:sldId id="268" r:id="rId19"/>
   </p:sldIdLst>
   <p:sldSz cx="12192000" cy="6858000"/>
   <p:notesSz cx="6858000" cy="9144000"/>
@@ -218,7 +219,7 @@
           <a:p>
             <a:fld id="{C04955D2-3D90-4328-A512-F71AA9E41615}" type="datetimeFigureOut">
               <a:rPr lang="de-DE" smtClean="0"/>
-              <a:t>15.03.2021</a:t>
+              <a:t>25.03.2021</a:t>
             </a:fld>
             <a:endParaRPr lang="de-DE"/>
           </a:p>
@@ -1303,101 +1304,66 @@
           <a:lstStyle/>
           <a:p>
             <a:r>
-              <a:rPr lang="de-DE" dirty="0"/>
-              <a:t>Sein wir mal ehrlich, auch das wäre euch allen zu viel Aufwand.</a:t>
-            </a:r>
-          </a:p>
-          <a:p>
-            <a:r>
-              <a:rPr lang="de-DE" dirty="0"/>
-              <a:t>Viele </a:t>
-            </a:r>
-            <a:r>
-              <a:rPr lang="de-DE" dirty="0" err="1"/>
-              <a:t>state</a:t>
-            </a:r>
-            <a:r>
-              <a:rPr lang="de-DE" dirty="0"/>
-              <a:t> </a:t>
-            </a:r>
-            <a:r>
-              <a:rPr lang="de-DE" dirty="0" err="1"/>
-              <a:t>of</a:t>
-            </a:r>
-            <a:r>
-              <a:rPr lang="de-DE" dirty="0"/>
-              <a:t> </a:t>
-            </a:r>
-            <a:r>
-              <a:rPr lang="de-DE" dirty="0" err="1"/>
-              <a:t>the</a:t>
-            </a:r>
-            <a:r>
-              <a:rPr lang="de-DE" dirty="0"/>
-              <a:t> </a:t>
-            </a:r>
-            <a:r>
-              <a:rPr lang="de-DE" dirty="0" err="1"/>
-              <a:t>art</a:t>
-            </a:r>
-            <a:r>
-              <a:rPr lang="de-DE" dirty="0"/>
-              <a:t> Backend </a:t>
-            </a:r>
-            <a:r>
-              <a:rPr lang="de-DE" dirty="0" err="1"/>
-              <a:t>systeme</a:t>
-            </a:r>
-            <a:r>
-              <a:rPr lang="de-DE" dirty="0"/>
-              <a:t> bieten die </a:t>
-            </a:r>
-            <a:r>
-              <a:rPr lang="de-DE" dirty="0" err="1"/>
-              <a:t>Swagger</a:t>
-            </a:r>
-            <a:r>
-              <a:rPr lang="de-DE" dirty="0"/>
-              <a:t> </a:t>
-            </a:r>
-            <a:r>
-              <a:rPr lang="de-DE" dirty="0" err="1"/>
-              <a:t>integration</a:t>
-            </a:r>
-            <a:r>
-              <a:rPr lang="de-DE" dirty="0"/>
-              <a:t> als eine Art </a:t>
-            </a:r>
-            <a:r>
-              <a:rPr lang="de-DE" dirty="0" err="1"/>
-              <a:t>Plugin</a:t>
-            </a:r>
-            <a:r>
-              <a:rPr lang="de-DE" dirty="0"/>
-              <a:t> an.</a:t>
-            </a:r>
-          </a:p>
-          <a:p>
-            <a:r>
-              <a:rPr lang="de-DE" dirty="0"/>
-              <a:t>So wird aus mal mehr, mal weniger </a:t>
-            </a:r>
-            <a:r>
-              <a:rPr lang="de-DE" dirty="0" err="1"/>
-              <a:t>information</a:t>
-            </a:r>
-            <a:r>
-              <a:rPr lang="de-DE" dirty="0"/>
-              <a:t> aus dem Code direkt eine </a:t>
-            </a:r>
-            <a:r>
-              <a:rPr lang="de-DE" dirty="0" err="1"/>
-              <a:t>SwaggerUI</a:t>
-            </a:r>
-            <a:r>
-              <a:rPr lang="de-DE" dirty="0"/>
-              <a:t> erstellt.</a:t>
-            </a:r>
+              <a:rPr lang="en-US" sz="1200" b="0" i="0" kern="1200" dirty="0">
+                <a:solidFill>
+                  <a:schemeClr val="tx1"/>
+                </a:solidFill>
+                <a:effectLst/>
+                <a:latin typeface="+mn-lt"/>
+                <a:ea typeface="+mn-ea"/>
+                <a:cs typeface="+mn-cs"/>
+              </a:rPr>
+              <a:t>The ability of APIs to describe their own structure is the root of all awesomeness in </a:t>
+            </a:r>
+            <a:r>
+              <a:rPr lang="en-US" sz="1200" b="0" i="0" kern="1200" dirty="0" err="1">
+                <a:solidFill>
+                  <a:schemeClr val="tx1"/>
+                </a:solidFill>
+                <a:effectLst/>
+                <a:latin typeface="+mn-lt"/>
+                <a:ea typeface="+mn-ea"/>
+                <a:cs typeface="+mn-cs"/>
+              </a:rPr>
+              <a:t>OpenAPI</a:t>
+            </a:r>
+            <a:r>
+              <a:rPr lang="en-US" sz="1200" b="0" i="0" kern="1200" dirty="0">
+                <a:solidFill>
+                  <a:schemeClr val="tx1"/>
+                </a:solidFill>
+                <a:effectLst/>
+                <a:latin typeface="+mn-lt"/>
+                <a:ea typeface="+mn-ea"/>
+                <a:cs typeface="+mn-cs"/>
+              </a:rPr>
+              <a:t>. Once written, an </a:t>
+            </a:r>
+            <a:r>
+              <a:rPr lang="en-US" sz="1200" b="0" i="0" kern="1200" dirty="0" err="1">
+                <a:solidFill>
+                  <a:schemeClr val="tx1"/>
+                </a:solidFill>
+                <a:effectLst/>
+                <a:latin typeface="+mn-lt"/>
+                <a:ea typeface="+mn-ea"/>
+                <a:cs typeface="+mn-cs"/>
+              </a:rPr>
+              <a:t>OpenAPI</a:t>
+            </a:r>
+            <a:r>
+              <a:rPr lang="en-US" sz="1200" b="0" i="0" kern="1200" dirty="0">
+                <a:solidFill>
+                  <a:schemeClr val="tx1"/>
+                </a:solidFill>
+                <a:effectLst/>
+                <a:latin typeface="+mn-lt"/>
+                <a:ea typeface="+mn-ea"/>
+                <a:cs typeface="+mn-cs"/>
+              </a:rPr>
+              <a:t> specification and Swagger tools can drive your API development further in various ways</a:t>
+            </a:r>
+            <a:endParaRPr lang="de-DE" dirty="0"/>
           </a:p>
         </p:txBody>
       </p:sp>
@@ -1427,7 +1393,7 @@
     </p:spTree>
     <p:extLst>
       <p:ext uri="{BB962C8B-B14F-4D97-AF65-F5344CB8AC3E}">
-        <p14:creationId xmlns:p14="http://schemas.microsoft.com/office/powerpoint/2010/main" val="3999504799"/>
+        <p14:creationId xmlns:p14="http://schemas.microsoft.com/office/powerpoint/2010/main" val="1340335465"/>
       </p:ext>
     </p:extLst>
   </p:cSld>
@@ -1481,7 +1447,102 @@
           <a:bodyPr/>
           <a:lstStyle/>
           <a:p>
-            <a:endParaRPr lang="de-DE" dirty="0"/>
+            <a:r>
+              <a:rPr lang="de-DE" dirty="0"/>
+              <a:t>Sein wir mal ehrlich, auch das wäre euch allen zu viel Aufwand.</a:t>
+            </a:r>
+          </a:p>
+          <a:p>
+            <a:r>
+              <a:rPr lang="de-DE" dirty="0"/>
+              <a:t>Viele </a:t>
+            </a:r>
+            <a:r>
+              <a:rPr lang="de-DE" dirty="0" err="1"/>
+              <a:t>state</a:t>
+            </a:r>
+            <a:r>
+              <a:rPr lang="de-DE" dirty="0"/>
+              <a:t> </a:t>
+            </a:r>
+            <a:r>
+              <a:rPr lang="de-DE" dirty="0" err="1"/>
+              <a:t>of</a:t>
+            </a:r>
+            <a:r>
+              <a:rPr lang="de-DE" dirty="0"/>
+              <a:t> </a:t>
+            </a:r>
+            <a:r>
+              <a:rPr lang="de-DE" dirty="0" err="1"/>
+              <a:t>the</a:t>
+            </a:r>
+            <a:r>
+              <a:rPr lang="de-DE" dirty="0"/>
+              <a:t> </a:t>
+            </a:r>
+            <a:r>
+              <a:rPr lang="de-DE" dirty="0" err="1"/>
+              <a:t>art</a:t>
+            </a:r>
+            <a:r>
+              <a:rPr lang="de-DE" dirty="0"/>
+              <a:t> Backend </a:t>
+            </a:r>
+            <a:r>
+              <a:rPr lang="de-DE" dirty="0" err="1"/>
+              <a:t>systeme</a:t>
+            </a:r>
+            <a:r>
+              <a:rPr lang="de-DE" dirty="0"/>
+              <a:t> bieten die </a:t>
+            </a:r>
+            <a:r>
+              <a:rPr lang="de-DE" dirty="0" err="1"/>
+              <a:t>Swagger</a:t>
+            </a:r>
+            <a:r>
+              <a:rPr lang="de-DE" dirty="0"/>
+              <a:t> </a:t>
+            </a:r>
+            <a:r>
+              <a:rPr lang="de-DE" dirty="0" err="1"/>
+              <a:t>integration</a:t>
+            </a:r>
+            <a:r>
+              <a:rPr lang="de-DE" dirty="0"/>
+              <a:t> als eine Art </a:t>
+            </a:r>
+            <a:r>
+              <a:rPr lang="de-DE" dirty="0" err="1"/>
+              <a:t>Plugin</a:t>
+            </a:r>
+            <a:r>
+              <a:rPr lang="de-DE" dirty="0"/>
+              <a:t> an.</a:t>
+            </a:r>
+          </a:p>
+          <a:p>
+            <a:r>
+              <a:rPr lang="de-DE" dirty="0"/>
+              <a:t>So wird aus mal mehr, mal weniger </a:t>
+            </a:r>
+            <a:r>
+              <a:rPr lang="de-DE" dirty="0" err="1"/>
+              <a:t>information</a:t>
+            </a:r>
+            <a:r>
+              <a:rPr lang="de-DE" dirty="0"/>
+              <a:t> aus dem Code direkt eine </a:t>
+            </a:r>
+            <a:r>
+              <a:rPr lang="de-DE" dirty="0" err="1"/>
+              <a:t>SwaggerUI</a:t>
+            </a:r>
+            <a:r>
+              <a:rPr lang="de-DE" dirty="0"/>
+              <a:t> erstellt.</a:t>
+            </a:r>
           </a:p>
         </p:txBody>
       </p:sp>
@@ -1502,7 +1563,91 @@
           <a:p>
             <a:fld id="{0EEC9881-CE87-412E-9AFD-907C38E0627E}" type="slidenum">
               <a:rPr lang="de-DE" smtClean="0"/>
-              <a:t>14</a:t>
+              <a:t>13</a:t>
+            </a:fld>
+            <a:endParaRPr lang="de-DE"/>
+          </a:p>
+        </p:txBody>
+      </p:sp>
+    </p:spTree>
+    <p:extLst>
+      <p:ext uri="{BB962C8B-B14F-4D97-AF65-F5344CB8AC3E}">
+        <p14:creationId xmlns:p14="http://schemas.microsoft.com/office/powerpoint/2010/main" val="3999504799"/>
+      </p:ext>
+    </p:extLst>
+  </p:cSld>
+  <p:clrMapOvr>
+    <a:masterClrMapping/>
+  </p:clrMapOvr>
+</p:notes>
+</file>
+
+<file path=ppt/notesSlides/notesSlide8.xml><?xml version="1.0" encoding="utf-8"?>
+<p:notes xmlns:a="http://schemas.openxmlformats.org/drawingml/2006/main" xmlns:r="http://schemas.openxmlformats.org/officeDocument/2006/relationships" xmlns:p="http://schemas.openxmlformats.org/presentationml/2006/main">
+  <p:cSld>
+    <p:spTree>
+      <p:nvGrpSpPr>
+        <p:cNvPr id="1" name=""/>
+        <p:cNvGrpSpPr/>
+        <p:nvPr/>
+      </p:nvGrpSpPr>
+      <p:grpSpPr>
+        <a:xfrm>
+          <a:off x="0" y="0"/>
+          <a:ext cx="0" cy="0"/>
+          <a:chOff x="0" y="0"/>
+          <a:chExt cx="0" cy="0"/>
+        </a:xfrm>
+      </p:grpSpPr>
+      <p:sp>
+        <p:nvSpPr>
+          <p:cNvPr id="2" name="Slide Image Placeholder 1"/>
+          <p:cNvSpPr>
+            <a:spLocks noGrp="1" noRot="1" noChangeAspect="1"/>
+          </p:cNvSpPr>
+          <p:nvPr>
+            <p:ph type="sldImg"/>
+          </p:nvPr>
+        </p:nvSpPr>
+        <p:spPr/>
+      </p:sp>
+      <p:sp>
+        <p:nvSpPr>
+          <p:cNvPr id="3" name="Notes Placeholder 2"/>
+          <p:cNvSpPr>
+            <a:spLocks noGrp="1"/>
+          </p:cNvSpPr>
+          <p:nvPr>
+            <p:ph type="body" idx="1"/>
+          </p:nvPr>
+        </p:nvSpPr>
+        <p:spPr/>
+        <p:txBody>
+          <a:bodyPr/>
+          <a:lstStyle/>
+          <a:p>
+            <a:endParaRPr lang="de-DE" dirty="0"/>
+          </a:p>
+        </p:txBody>
+      </p:sp>
+      <p:sp>
+        <p:nvSpPr>
+          <p:cNvPr id="4" name="Slide Number Placeholder 3"/>
+          <p:cNvSpPr>
+            <a:spLocks noGrp="1"/>
+          </p:cNvSpPr>
+          <p:nvPr>
+            <p:ph type="sldNum" sz="quarter" idx="5"/>
+          </p:nvPr>
+        </p:nvSpPr>
+        <p:spPr/>
+        <p:txBody>
+          <a:bodyPr/>
+          <a:lstStyle/>
+          <a:p>
+            <a:fld id="{0EEC9881-CE87-412E-9AFD-907C38E0627E}" type="slidenum">
+              <a:rPr lang="de-DE" smtClean="0"/>
+              <a:t>15</a:t>
             </a:fld>
             <a:endParaRPr lang="de-DE"/>
           </a:p>
@@ -2243,7 +2388,7 @@
           <a:p>
             <a:fld id="{EA0C0817-A112-4847-8014-A94B7D2A4EA3}" type="datetime1">
               <a:rPr lang="en-US" smtClean="0"/>
-              <a:t>3/15/2021</a:t>
+              <a:t>3/25/2021</a:t>
             </a:fld>
             <a:endParaRPr lang="en-US" dirty="0"/>
           </a:p>
@@ -2494,7 +2639,7 @@
           <a:p>
             <a:fld id="{F6FA2B21-3FCD-4721-B95C-427943F61125}" type="datetime1">
               <a:rPr lang="en-US" smtClean="0"/>
-              <a:t>3/15/2021</a:t>
+              <a:t>3/25/2021</a:t>
             </a:fld>
             <a:endParaRPr lang="en-US" dirty="0"/>
           </a:p>
@@ -2809,7 +2954,7 @@
           <a:p>
             <a:fld id="{F6FA2B21-3FCD-4721-B95C-427943F61125}" type="datetime1">
               <a:rPr lang="en-US" smtClean="0"/>
-              <a:t>3/15/2021</a:t>
+              <a:t>3/25/2021</a:t>
             </a:fld>
             <a:endParaRPr lang="en-US" dirty="0"/>
           </a:p>
@@ -3151,7 +3296,7 @@
           <a:p>
             <a:fld id="{F6FA2B21-3FCD-4721-B95C-427943F61125}" type="datetime1">
               <a:rPr lang="en-US" smtClean="0"/>
-              <a:t>3/15/2021</a:t>
+              <a:t>3/25/2021</a:t>
             </a:fld>
             <a:endParaRPr lang="en-US" dirty="0"/>
           </a:p>
@@ -3466,7 +3611,7 @@
           <a:p>
             <a:fld id="{F6FA2B21-3FCD-4721-B95C-427943F61125}" type="datetime1">
               <a:rPr lang="en-US" smtClean="0"/>
-              <a:t>3/15/2021</a:t>
+              <a:t>3/25/2021</a:t>
             </a:fld>
             <a:endParaRPr lang="en-US" dirty="0"/>
           </a:p>
@@ -3860,7 +4005,7 @@
           <a:p>
             <a:fld id="{F6FA2B21-3FCD-4721-B95C-427943F61125}" type="datetime1">
               <a:rPr lang="en-US" smtClean="0"/>
-              <a:t>3/15/2021</a:t>
+              <a:t>3/25/2021</a:t>
             </a:fld>
             <a:endParaRPr lang="en-US" dirty="0"/>
           </a:p>
@@ -4031,7 +4176,7 @@
           <a:p>
             <a:fld id="{F6FA2B21-3FCD-4721-B95C-427943F61125}" type="datetime1">
               <a:rPr lang="en-US" smtClean="0"/>
-              <a:t>3/15/2021</a:t>
+              <a:t>3/25/2021</a:t>
             </a:fld>
             <a:endParaRPr lang="en-US" dirty="0"/>
           </a:p>
@@ -4212,7 +4357,7 @@
           <a:p>
             <a:fld id="{F6FA2B21-3FCD-4721-B95C-427943F61125}" type="datetime1">
               <a:rPr lang="en-US" smtClean="0"/>
-              <a:t>3/15/2021</a:t>
+              <a:t>3/25/2021</a:t>
             </a:fld>
             <a:endParaRPr lang="en-US" dirty="0"/>
           </a:p>
@@ -4389,7 +4534,7 @@
           <a:p>
             <a:fld id="{7332B432-ACDA-4023-A761-2BAB76577B62}" type="datetime1">
               <a:rPr lang="en-US" smtClean="0"/>
-              <a:t>3/15/2021</a:t>
+              <a:t>3/25/2021</a:t>
             </a:fld>
             <a:endParaRPr lang="en-US" dirty="0"/>
           </a:p>
@@ -4636,7 +4781,7 @@
           <a:p>
             <a:fld id="{D9C646AA-F36E-4540-911D-FFFC0A0EF24A}" type="datetime1">
               <a:rPr lang="en-US" smtClean="0"/>
-              <a:t>3/15/2021</a:t>
+              <a:t>3/25/2021</a:t>
             </a:fld>
             <a:endParaRPr lang="en-US" dirty="0"/>
           </a:p>
@@ -4868,7 +5013,7 @@
           <a:p>
             <a:fld id="{69186D26-FA5F-4637-B602-B7C2DC34CFD4}" type="datetime1">
               <a:rPr lang="en-US" smtClean="0"/>
-              <a:t>3/15/2021</a:t>
+              <a:t>3/25/2021</a:t>
             </a:fld>
             <a:endParaRPr lang="en-US" dirty="0"/>
           </a:p>
@@ -5242,7 +5387,7 @@
           <a:p>
             <a:fld id="{8A7F15D8-96D1-4781-BC50-CA8A088B2FE4}" type="datetime1">
               <a:rPr lang="en-US" smtClean="0"/>
-              <a:t>3/15/2021</a:t>
+              <a:t>3/25/2021</a:t>
             </a:fld>
             <a:endParaRPr lang="en-US" dirty="0"/>
           </a:p>
@@ -5365,7 +5510,7 @@
           <a:p>
             <a:fld id="{F9A96C99-B8F8-4528-BD05-0E16E943DC09}" type="datetime1">
               <a:rPr lang="en-US" smtClean="0"/>
-              <a:t>3/15/2021</a:t>
+              <a:t>3/25/2021</a:t>
             </a:fld>
             <a:endParaRPr lang="en-US" dirty="0"/>
           </a:p>
@@ -5460,7 +5605,7 @@
           <a:p>
             <a:fld id="{03636942-C211-4B28-8DBD-C953E00AF71B}" type="datetime1">
               <a:rPr lang="en-US" smtClean="0"/>
-              <a:t>3/15/2021</a:t>
+              <a:t>3/25/2021</a:t>
             </a:fld>
             <a:endParaRPr lang="en-US" dirty="0"/>
           </a:p>
@@ -5715,7 +5860,7 @@
           <a:p>
             <a:fld id="{7E8D12A6-918A-48BD-8CB9-CA713993B0EA}" type="datetime1">
               <a:rPr lang="en-US" smtClean="0"/>
-              <a:t>3/15/2021</a:t>
+              <a:t>3/25/2021</a:t>
             </a:fld>
             <a:endParaRPr lang="en-US" dirty="0"/>
           </a:p>
@@ -5979,7 +6124,7 @@
             <a:fld id="{E778CE86-875F-4587-BCF6-FA054AFC0D53}" type="datetime1">
               <a:rPr lang="en-US" smtClean="0"/>
               <a:pPr/>
-              <a:t>3/15/2021</a:t>
+              <a:t>3/25/2021</a:t>
             </a:fld>
             <a:endParaRPr lang="en-US" dirty="0"/>
           </a:p>
@@ -6723,7 +6868,7 @@
           <a:p>
             <a:fld id="{F6FA2B21-3FCD-4721-B95C-427943F61125}" type="datetime1">
               <a:rPr lang="en-US" smtClean="0"/>
-              <a:t>3/15/2021</a:t>
+              <a:t>3/25/2021</a:t>
             </a:fld>
             <a:endParaRPr lang="en-US" dirty="0"/>
           </a:p>
@@ -7984,6 +8129,150 @@
       </p:grpSpPr>
       <p:sp>
         <p:nvSpPr>
+          <p:cNvPr id="8" name="Title 7">
+            <a:extLst>
+              <a:ext uri="{FF2B5EF4-FFF2-40B4-BE49-F238E27FC236}">
+                <a16:creationId xmlns:a16="http://schemas.microsoft.com/office/drawing/2014/main" id="{8DD499D1-2C04-4553-99C5-65D33C0C8B87}"/>
+              </a:ext>
+            </a:extLst>
+          </p:cNvPr>
+          <p:cNvSpPr>
+            <a:spLocks noGrp="1"/>
+          </p:cNvSpPr>
+          <p:nvPr>
+            <p:ph type="title"/>
+          </p:nvPr>
+        </p:nvSpPr>
+        <p:spPr/>
+        <p:txBody>
+          <a:bodyPr/>
+          <a:lstStyle/>
+          <a:p>
+            <a:endParaRPr lang="de-DE"/>
+          </a:p>
+        </p:txBody>
+      </p:sp>
+      <p:sp>
+        <p:nvSpPr>
+          <p:cNvPr id="10" name="Text Placeholder 9">
+            <a:extLst>
+              <a:ext uri="{FF2B5EF4-FFF2-40B4-BE49-F238E27FC236}">
+                <a16:creationId xmlns:a16="http://schemas.microsoft.com/office/drawing/2014/main" id="{07F99146-F80C-477F-AE71-2F3E951AFD32}"/>
+              </a:ext>
+            </a:extLst>
+          </p:cNvPr>
+          <p:cNvSpPr>
+            <a:spLocks noGrp="1"/>
+          </p:cNvSpPr>
+          <p:nvPr>
+            <p:ph type="body" idx="1"/>
+          </p:nvPr>
+        </p:nvSpPr>
+        <p:spPr/>
+        <p:txBody>
+          <a:bodyPr/>
+          <a:lstStyle/>
+          <a:p>
+            <a:endParaRPr lang="de-DE"/>
+          </a:p>
+        </p:txBody>
+      </p:sp>
+      <p:pic>
+        <p:nvPicPr>
+          <p:cNvPr id="11" name="Picture 10">
+            <a:extLst>
+              <a:ext uri="{FF2B5EF4-FFF2-40B4-BE49-F238E27FC236}">
+                <a16:creationId xmlns:a16="http://schemas.microsoft.com/office/drawing/2014/main" id="{77E2F07B-4639-4921-8AF9-30E5EC46E126}"/>
+              </a:ext>
+            </a:extLst>
+          </p:cNvPr>
+          <p:cNvPicPr>
+            <a:picLocks noChangeAspect="1"/>
+          </p:cNvPicPr>
+          <p:nvPr/>
+        </p:nvPicPr>
+        <p:blipFill>
+          <a:blip r:embed="rId3"/>
+          <a:stretch>
+            <a:fillRect/>
+          </a:stretch>
+        </p:blipFill>
+        <p:spPr>
+          <a:xfrm>
+            <a:off x="218387" y="365212"/>
+            <a:ext cx="11755225" cy="5505699"/>
+          </a:xfrm>
+          <a:prstGeom prst="rect">
+            <a:avLst/>
+          </a:prstGeom>
+        </p:spPr>
+      </p:pic>
+      <p:sp>
+        <p:nvSpPr>
+          <p:cNvPr id="12" name="Rectangle 11">
+            <a:extLst>
+              <a:ext uri="{FF2B5EF4-FFF2-40B4-BE49-F238E27FC236}">
+                <a16:creationId xmlns:a16="http://schemas.microsoft.com/office/drawing/2014/main" id="{5796D9A8-7BCA-4F69-8BB0-EE29FC356E47}"/>
+              </a:ext>
+            </a:extLst>
+          </p:cNvPr>
+          <p:cNvSpPr/>
+          <p:nvPr/>
+        </p:nvSpPr>
+        <p:spPr>
+          <a:xfrm>
+            <a:off x="436776" y="5839373"/>
+            <a:ext cx="11755224" cy="369332"/>
+          </a:xfrm>
+          <a:prstGeom prst="rect">
+            <a:avLst/>
+          </a:prstGeom>
+        </p:spPr>
+        <p:txBody>
+          <a:bodyPr wrap="square">
+            <a:spAutoFit/>
+          </a:bodyPr>
+          <a:lstStyle/>
+          <a:p>
+            <a:r>
+              <a:rPr lang="de-DE" dirty="0"/>
+              <a:t>https://www.postman.com/use-cases/api-testing-automation/</a:t>
+            </a:r>
+          </a:p>
+        </p:txBody>
+      </p:sp>
+    </p:spTree>
+    <p:extLst>
+      <p:ext uri="{BB962C8B-B14F-4D97-AF65-F5344CB8AC3E}">
+        <p14:creationId xmlns:p14="http://schemas.microsoft.com/office/powerpoint/2010/main" val="2126495007"/>
+      </p:ext>
+    </p:extLst>
+  </p:cSld>
+  <p:clrMapOvr>
+    <a:masterClrMapping/>
+  </p:clrMapOvr>
+</p:sld>
+</file>
+
+<file path=ppt/slides/slide13.xml><?xml version="1.0" encoding="utf-8"?>
+<p:sld xmlns:a="http://schemas.openxmlformats.org/drawingml/2006/main" xmlns:r="http://schemas.openxmlformats.org/officeDocument/2006/relationships" xmlns:p="http://schemas.openxmlformats.org/presentationml/2006/main">
+  <p:cSld>
+    <p:spTree>
+      <p:nvGrpSpPr>
+        <p:cNvPr id="1" name=""/>
+        <p:cNvGrpSpPr/>
+        <p:nvPr/>
+      </p:nvGrpSpPr>
+      <p:grpSpPr>
+        <a:xfrm>
+          <a:off x="0" y="0"/>
+          <a:ext cx="0" cy="0"/>
+          <a:chOff x="0" y="0"/>
+          <a:chExt cx="0" cy="0"/>
+        </a:xfrm>
+      </p:grpSpPr>
+      <p:sp>
+        <p:nvSpPr>
           <p:cNvPr id="4" name="Title 3">
             <a:extLst>
               <a:ext uri="{FF2B5EF4-FFF2-40B4-BE49-F238E27FC236}">
@@ -8403,7 +8692,7 @@
 </p:sld>
 </file>
 
-<file path=ppt/slides/slide13.xml><?xml version="1.0" encoding="utf-8"?>
+<file path=ppt/slides/slide14.xml><?xml version="1.0" encoding="utf-8"?>
 <p:sld xmlns:a="http://schemas.openxmlformats.org/drawingml/2006/main" xmlns:r="http://schemas.openxmlformats.org/officeDocument/2006/relationships" xmlns:p="http://schemas.openxmlformats.org/presentationml/2006/main">
   <p:cSld>
     <p:spTree>
@@ -8527,7 +8816,7 @@
 </p:sld>
 </file>
 
-<file path=ppt/slides/slide14.xml><?xml version="1.0" encoding="utf-8"?>
+<file path=ppt/slides/slide15.xml><?xml version="1.0" encoding="utf-8"?>
 <p:sld xmlns:a="http://schemas.openxmlformats.org/drawingml/2006/main" xmlns:r="http://schemas.openxmlformats.org/officeDocument/2006/relationships" xmlns:p="http://schemas.openxmlformats.org/presentationml/2006/main">
   <p:cSld>
     <p:bg>
@@ -13878,23 +14167,6 @@
 </file>
 
 <file path=customXml/item1.xml><?xml version="1.0" encoding="utf-8"?>
-<p:properties xmlns:p="http://schemas.microsoft.com/office/2006/metadata/properties" xmlns:xsi="http://www.w3.org/2001/XMLSchema-instance" xmlns:pc="http://schemas.microsoft.com/office/infopath/2007/PartnerControls">
-  <documentManagement>
-    <MediaServiceKeyPoints xmlns="5351b07a-d384-46a4-82f9-5d8a3f1dbe27" xsi:nil="true"/>
-  </documentManagement>
-</p:properties>
-</file>
-
-<file path=customXml/item2.xml><?xml version="1.0" encoding="utf-8"?>
-<?mso-contentType ?>
-<FormTemplates xmlns="http://schemas.microsoft.com/sharepoint/v3/contenttype/forms">
-  <Display>DocumentLibraryForm</Display>
-  <Edit>DocumentLibraryForm</Edit>
-  <New>DocumentLibraryForm</New>
-</FormTemplates>
-</file>
-
-<file path=customXml/item3.xml><?xml version="1.0" encoding="utf-8"?>
 <ct:contentTypeSchema xmlns:ct="http://schemas.microsoft.com/office/2006/metadata/contentType" xmlns:ma="http://schemas.microsoft.com/office/2006/metadata/properties/metaAttributes" ct:_="" ma:_="" ma:contentTypeName="Document" ma:contentTypeID="0x01010001258AE383E0A54EBA346C532F9EF553" ma:contentTypeVersion="13" ma:contentTypeDescription="Create a new document." ma:contentTypeScope="" ma:versionID="393edad69c4bda07320420d9de201ad9">
   <xsd:schema xmlns:xsd="http://www.w3.org/2001/XMLSchema" xmlns:xs="http://www.w3.org/2001/XMLSchema" xmlns:p="http://schemas.microsoft.com/office/2006/metadata/properties" xmlns:ns3="e064e622-39c0-4867-8d53-589003cebcd9" xmlns:ns4="5351b07a-d384-46a4-82f9-5d8a3f1dbe27" targetNamespace="http://schemas.microsoft.com/office/2006/metadata/properties" ma:root="true" ma:fieldsID="9a37557cfc7bfdf9bf399f3a60c42474" ns3:_="" ns4:_="">
     <xsd:import namespace="e064e622-39c0-4867-8d53-589003cebcd9"/>
@@ -14117,32 +14389,24 @@
 </ct:contentTypeSchema>
 </file>
 
-<file path=customXml/itemProps1.xml><?xml version="1.0" encoding="utf-8"?>
-<ds:datastoreItem xmlns:ds="http://schemas.openxmlformats.org/officeDocument/2006/customXml" ds:itemID="{137651BA-F45C-4845-9AB3-E0A65B39F5E1}">
-  <ds:schemaRefs>
-    <ds:schemaRef ds:uri="http://purl.org/dc/terms/"/>
-    <ds:schemaRef ds:uri="http://purl.org/dc/elements/1.1/"/>
-    <ds:schemaRef ds:uri="http://www.w3.org/XML/1998/namespace"/>
-    <ds:schemaRef ds:uri="http://schemas.microsoft.com/office/2006/documentManagement/types"/>
-    <ds:schemaRef ds:uri="http://schemas.openxmlformats.org/package/2006/metadata/core-properties"/>
-    <ds:schemaRef ds:uri="5351b07a-d384-46a4-82f9-5d8a3f1dbe27"/>
-    <ds:schemaRef ds:uri="http://schemas.microsoft.com/office/2006/metadata/properties"/>
-    <ds:schemaRef ds:uri="http://schemas.microsoft.com/office/infopath/2007/PartnerControls"/>
-    <ds:schemaRef ds:uri="e064e622-39c0-4867-8d53-589003cebcd9"/>
-    <ds:schemaRef ds:uri="http://purl.org/dc/dcmitype/"/>
-  </ds:schemaRefs>
-</ds:datastoreItem>
+<file path=customXml/item2.xml><?xml version="1.0" encoding="utf-8"?>
+<?mso-contentType ?>
+<FormTemplates xmlns="http://schemas.microsoft.com/sharepoint/v3/contenttype/forms">
+  <Display>DocumentLibraryForm</Display>
+  <Edit>DocumentLibraryForm</Edit>
+  <New>DocumentLibraryForm</New>
+</FormTemplates>
 </file>
 
-<file path=customXml/itemProps2.xml><?xml version="1.0" encoding="utf-8"?>
-<ds:datastoreItem xmlns:ds="http://schemas.openxmlformats.org/officeDocument/2006/customXml" ds:itemID="{CDB58277-F8DF-46FF-84EC-EF41B835E69F}">
-  <ds:schemaRefs>
-    <ds:schemaRef ds:uri="http://schemas.microsoft.com/sharepoint/v3/contenttype/forms"/>
-  </ds:schemaRefs>
-</ds:datastoreItem>
+<file path=customXml/item3.xml><?xml version="1.0" encoding="utf-8"?>
+<p:properties xmlns:p="http://schemas.microsoft.com/office/2006/metadata/properties" xmlns:xsi="http://www.w3.org/2001/XMLSchema-instance" xmlns:pc="http://schemas.microsoft.com/office/infopath/2007/PartnerControls">
+  <documentManagement>
+    <MediaServiceKeyPoints xmlns="5351b07a-d384-46a4-82f9-5d8a3f1dbe27" xsi:nil="true"/>
+  </documentManagement>
+</p:properties>
 </file>
 
-<file path=customXml/itemProps3.xml><?xml version="1.0" encoding="utf-8"?>
+<file path=customXml/itemProps1.xml><?xml version="1.0" encoding="utf-8"?>
 <ds:datastoreItem xmlns:ds="http://schemas.openxmlformats.org/officeDocument/2006/customXml" ds:itemID="{D289D453-31C6-47B6-BE74-BA020835D45A}">
   <ds:schemaRefs>
     <ds:schemaRef ds:uri="http://schemas.microsoft.com/office/2006/metadata/contentType"/>
@@ -14159,4 +14423,29 @@
     <ds:schemaRef ds:uri="http://schemas.microsoft.com/internal/obd"/>
   </ds:schemaRefs>
 </ds:datastoreItem>
+</file>
+
+<file path=customXml/itemProps2.xml><?xml version="1.0" encoding="utf-8"?>
+<ds:datastoreItem xmlns:ds="http://schemas.openxmlformats.org/officeDocument/2006/customXml" ds:itemID="{CDB58277-F8DF-46FF-84EC-EF41B835E69F}">
+  <ds:schemaRefs>
+    <ds:schemaRef ds:uri="http://schemas.microsoft.com/sharepoint/v3/contenttype/forms"/>
+  </ds:schemaRefs>
+</ds:datastoreItem>
+</file>
+
+<file path=customXml/itemProps3.xml><?xml version="1.0" encoding="utf-8"?>
+<ds:datastoreItem xmlns:ds="http://schemas.openxmlformats.org/officeDocument/2006/customXml" ds:itemID="{137651BA-F45C-4845-9AB3-E0A65B39F5E1}">
+  <ds:schemaRefs>
+    <ds:schemaRef ds:uri="http://purl.org/dc/terms/"/>
+    <ds:schemaRef ds:uri="http://purl.org/dc/elements/1.1/"/>
+    <ds:schemaRef ds:uri="http://www.w3.org/XML/1998/namespace"/>
+    <ds:schemaRef ds:uri="http://schemas.microsoft.com/office/2006/documentManagement/types"/>
+    <ds:schemaRef ds:uri="http://schemas.openxmlformats.org/package/2006/metadata/core-properties"/>
+    <ds:schemaRef ds:uri="5351b07a-d384-46a4-82f9-5d8a3f1dbe27"/>
+    <ds:schemaRef ds:uri="http://schemas.microsoft.com/office/2006/metadata/properties"/>
+    <ds:schemaRef ds:uri="http://schemas.microsoft.com/office/infopath/2007/PartnerControls"/>
+    <ds:schemaRef ds:uri="e064e622-39c0-4867-8d53-589003cebcd9"/>
+    <ds:schemaRef ds:uri="http://purl.org/dc/dcmitype/"/>
+  </ds:schemaRefs>
+</ds:datastoreItem>
 </file>
--- a/PPP/Swagger_ppp.pptx
+++ b/PPP/Swagger_ppp.pptx
@@ -5,24 +5,22 @@
     <p:sldMasterId id="2147483722" r:id="rId4"/>
   </p:sldMasterIdLst>
   <p:notesMasterIdLst>
-    <p:notesMasterId r:id="rId20"/>
+    <p:notesMasterId r:id="rId18"/>
   </p:notesMasterIdLst>
   <p:sldIdLst>
     <p:sldId id="258" r:id="rId5"/>
     <p:sldId id="265" r:id="rId6"/>
     <p:sldId id="260" r:id="rId7"/>
-    <p:sldId id="261" r:id="rId8"/>
-    <p:sldId id="262" r:id="rId9"/>
+    <p:sldId id="262" r:id="rId8"/>
+    <p:sldId id="261" r:id="rId9"/>
     <p:sldId id="263" r:id="rId10"/>
     <p:sldId id="264" r:id="rId11"/>
     <p:sldId id="266" r:id="rId12"/>
     <p:sldId id="270" r:id="rId13"/>
-    <p:sldId id="267" r:id="rId14"/>
-    <p:sldId id="271" r:id="rId15"/>
-    <p:sldId id="273" r:id="rId16"/>
-    <p:sldId id="272" r:id="rId17"/>
-    <p:sldId id="269" r:id="rId18"/>
-    <p:sldId id="268" r:id="rId19"/>
+    <p:sldId id="271" r:id="rId14"/>
+    <p:sldId id="272" r:id="rId15"/>
+    <p:sldId id="269" r:id="rId16"/>
+    <p:sldId id="268" r:id="rId17"/>
   </p:sldIdLst>
   <p:sldSz cx="12192000" cy="6858000"/>
   <p:notesSz cx="6858000" cy="9144000"/>
@@ -219,7 +217,7 @@
           <a:p>
             <a:fld id="{C04955D2-3D90-4328-A512-F71AA9E41615}" type="datetimeFigureOut">
               <a:rPr lang="de-DE" smtClean="0"/>
-              <a:t>25.03.2021</a:t>
+              <a:t>29.03.2021</a:t>
             </a:fld>
             <a:endParaRPr lang="de-DE"/>
           </a:p>
@@ -542,6 +540,9 @@
               <a:t>Ein Mechanismus der die Interaktion zwischen Anwendungen mit einem Regelsatz ermöglicht.</a:t>
             </a:r>
           </a:p>
+          <a:p>
+            <a:endParaRPr lang="de-DE" dirty="0"/>
+          </a:p>
         </p:txBody>
       </p:sp>
       <p:sp>
@@ -561,7 +562,7 @@
           <a:p>
             <a:fld id="{0EEC9881-CE87-412E-9AFD-907C38E0627E}" type="slidenum">
               <a:rPr lang="de-DE" smtClean="0"/>
-              <a:t>5</a:t>
+              <a:t>4</a:t>
             </a:fld>
             <a:endParaRPr lang="de-DE"/>
           </a:p>
@@ -625,66 +626,69 @@
           <a:lstStyle/>
           <a:p>
             <a:r>
-              <a:rPr lang="en-US" sz="1200" b="0" i="0" kern="1200" dirty="0">
-                <a:solidFill>
-                  <a:schemeClr val="tx1"/>
-                </a:solidFill>
-                <a:effectLst/>
-                <a:latin typeface="+mn-lt"/>
-                <a:ea typeface="+mn-ea"/>
-                <a:cs typeface="+mn-cs"/>
-              </a:rPr>
-              <a:t>The ability of APIs to describe their own structure is the root of all awesomeness in </a:t>
-            </a:r>
-            <a:r>
-              <a:rPr lang="en-US" sz="1200" b="0" i="0" kern="1200" dirty="0" err="1">
-                <a:solidFill>
-                  <a:schemeClr val="tx1"/>
-                </a:solidFill>
-                <a:effectLst/>
-                <a:latin typeface="+mn-lt"/>
-                <a:ea typeface="+mn-ea"/>
-                <a:cs typeface="+mn-cs"/>
-              </a:rPr>
-              <a:t>OpenAPI</a:t>
-            </a:r>
-            <a:r>
-              <a:rPr lang="en-US" sz="1200" b="0" i="0" kern="1200" dirty="0">
-                <a:solidFill>
-                  <a:schemeClr val="tx1"/>
-                </a:solidFill>
-                <a:effectLst/>
-                <a:latin typeface="+mn-lt"/>
-                <a:ea typeface="+mn-ea"/>
-                <a:cs typeface="+mn-cs"/>
-              </a:rPr>
-              <a:t>. Once written, an </a:t>
-            </a:r>
-            <a:r>
-              <a:rPr lang="en-US" sz="1200" b="0" i="0" kern="1200" dirty="0" err="1">
-                <a:solidFill>
-                  <a:schemeClr val="tx1"/>
-                </a:solidFill>
-                <a:effectLst/>
-                <a:latin typeface="+mn-lt"/>
-                <a:ea typeface="+mn-ea"/>
-                <a:cs typeface="+mn-cs"/>
-              </a:rPr>
-              <a:t>OpenAPI</a:t>
-            </a:r>
-            <a:r>
-              <a:rPr lang="en-US" sz="1200" b="0" i="0" kern="1200" dirty="0">
-                <a:solidFill>
-                  <a:schemeClr val="tx1"/>
-                </a:solidFill>
-                <a:effectLst/>
-                <a:latin typeface="+mn-lt"/>
-                <a:ea typeface="+mn-ea"/>
-                <a:cs typeface="+mn-cs"/>
-              </a:rPr>
-              <a:t> specification and Swagger tools can drive your API development further in various ways</a:t>
+              <a:rPr lang="de-DE" dirty="0"/>
+              <a:t>Demnach wären auch Schnittstellen zwischen Anwendungen APIs, selbst wenn sie nicht über </a:t>
+            </a:r>
+            <a:r>
+              <a:rPr lang="de-DE"/>
+              <a:t>HTTP laufen.</a:t>
             </a:r>
             <a:endParaRPr lang="de-DE" dirty="0"/>
+          </a:p>
+          <a:p>
+            <a:r>
+              <a:rPr lang="de-DE" dirty="0"/>
+              <a:t>Diese Web-APIs sind jedoch die gängigsten Vertreter und die erste Assoziation der meisten, wenn es um APIs geht.</a:t>
+            </a:r>
+          </a:p>
+          <a:p>
+            <a:r>
+              <a:rPr lang="de-DE" dirty="0"/>
+              <a:t>Und man kann auch eine HTTP basierte API ohne Webbrowser verwenden um zwischen Servern Daten bereitzustellen.</a:t>
+            </a:r>
+          </a:p>
+          <a:p>
+            <a:endParaRPr lang="de-DE" dirty="0"/>
+          </a:p>
+          <a:p>
+            <a:r>
+              <a:rPr lang="de-DE" dirty="0"/>
+              <a:t>APIs sind mittlerweile im Web als State </a:t>
+            </a:r>
+            <a:r>
+              <a:rPr lang="de-DE" dirty="0" err="1"/>
+              <a:t>of</a:t>
+            </a:r>
+            <a:r>
+              <a:rPr lang="de-DE" dirty="0"/>
+              <a:t> </a:t>
+            </a:r>
+            <a:r>
+              <a:rPr lang="de-DE" dirty="0" err="1"/>
+              <a:t>the</a:t>
+            </a:r>
+            <a:r>
+              <a:rPr lang="de-DE" dirty="0"/>
+              <a:t> Art bei jeglicher Kommunikation von Client zu Server, die nicht beim Initialen Laden der Seite geschieht, angesiedelt.</a:t>
+            </a:r>
+          </a:p>
+          <a:p>
+            <a:r>
+              <a:rPr lang="de-DE" dirty="0"/>
+              <a:t>Die meisten von euch werden aus Webengineering 1 wissen wie man ein Formular über die http-Methode Post an den Server übermittelt.</a:t>
+            </a:r>
+          </a:p>
+          <a:p>
+            <a:r>
+              <a:rPr lang="de-DE" dirty="0"/>
+              <a:t>Mit einer API würde die Request erst an diese Standardisierte und Dokumentierte Schnittstelle geleitet werden und diese leitet die Anfrage weiter an die passende Stelle auf dem Server.</a:t>
+            </a:r>
+          </a:p>
+          <a:p>
+            <a:r>
+              <a:rPr lang="de-DE" dirty="0"/>
+              <a:t>Das führt zu meines Erachtens sehr viel strukturierterem Code.</a:t>
+            </a:r>
           </a:p>
         </p:txBody>
       </p:sp>
@@ -705,7 +709,7 @@
           <a:p>
             <a:fld id="{0EEC9881-CE87-412E-9AFD-907C38E0627E}" type="slidenum">
               <a:rPr lang="de-DE" smtClean="0"/>
-              <a:t>7</a:t>
+              <a:t>5</a:t>
             </a:fld>
             <a:endParaRPr lang="de-DE"/>
           </a:p>
@@ -714,7 +718,7 @@
     </p:spTree>
     <p:extLst>
       <p:ext uri="{BB962C8B-B14F-4D97-AF65-F5344CB8AC3E}">
-        <p14:creationId xmlns:p14="http://schemas.microsoft.com/office/powerpoint/2010/main" val="2664184874"/>
+        <p14:creationId xmlns:p14="http://schemas.microsoft.com/office/powerpoint/2010/main" val="582573756"/>
       </p:ext>
     </p:extLst>
   </p:cSld>
@@ -769,169 +773,53 @@
           <a:lstStyle/>
           <a:p>
             <a:r>
-              <a:rPr lang="en-US" sz="1200" b="0" i="0" kern="1200" dirty="0" err="1">
-                <a:solidFill>
-                  <a:schemeClr val="tx1"/>
-                </a:solidFill>
-                <a:effectLst/>
-                <a:latin typeface="+mn-lt"/>
-                <a:ea typeface="+mn-ea"/>
-                <a:cs typeface="+mn-cs"/>
-              </a:rPr>
-              <a:t>Warum</a:t>
-            </a:r>
-            <a:r>
-              <a:rPr lang="en-US" sz="1200" b="0" i="0" kern="1200" dirty="0">
-                <a:solidFill>
-                  <a:schemeClr val="tx1"/>
-                </a:solidFill>
-                <a:effectLst/>
-                <a:latin typeface="+mn-lt"/>
-                <a:ea typeface="+mn-ea"/>
-                <a:cs typeface="+mn-cs"/>
-              </a:rPr>
-              <a:t> Swagger?</a:t>
-            </a:r>
-          </a:p>
-          <a:p>
-            <a:r>
-              <a:rPr lang="en-US" sz="1200" b="0" i="0" kern="1200" dirty="0">
-                <a:solidFill>
-                  <a:schemeClr val="tx1"/>
-                </a:solidFill>
-                <a:effectLst/>
-                <a:latin typeface="+mn-lt"/>
-                <a:ea typeface="+mn-ea"/>
-                <a:cs typeface="+mn-cs"/>
-              </a:rPr>
-              <a:t>API Documentation</a:t>
-            </a:r>
-          </a:p>
-          <a:p>
-            <a:r>
-              <a:rPr lang="en-US" sz="1200" b="0" i="0" kern="1200" dirty="0">
-                <a:solidFill>
-                  <a:schemeClr val="tx1"/>
-                </a:solidFill>
-                <a:effectLst/>
-                <a:latin typeface="+mn-lt"/>
-                <a:ea typeface="+mn-ea"/>
-                <a:cs typeface="+mn-cs"/>
-              </a:rPr>
-              <a:t>API Interactive Visualization</a:t>
-            </a:r>
-          </a:p>
-          <a:p>
-            <a:r>
-              <a:rPr lang="en-US" sz="1200" b="0" i="0" kern="1200" dirty="0">
-                <a:solidFill>
-                  <a:schemeClr val="tx1"/>
-                </a:solidFill>
-                <a:effectLst/>
-                <a:latin typeface="+mn-lt"/>
-                <a:ea typeface="+mn-ea"/>
-                <a:cs typeface="+mn-cs"/>
-              </a:rPr>
-              <a:t>API </a:t>
-            </a:r>
-            <a:r>
-              <a:rPr lang="en-US" sz="1200" b="0" i="0" kern="1200" dirty="0" err="1">
-                <a:solidFill>
-                  <a:schemeClr val="tx1"/>
-                </a:solidFill>
-                <a:effectLst/>
-                <a:latin typeface="+mn-lt"/>
-                <a:ea typeface="+mn-ea"/>
-                <a:cs typeface="+mn-cs"/>
-              </a:rPr>
-              <a:t>Standartization</a:t>
-            </a:r>
-            <a:endParaRPr lang="en-US" sz="1200" b="0" i="0" kern="1200" dirty="0">
-              <a:solidFill>
-                <a:schemeClr val="tx1"/>
-              </a:solidFill>
-              <a:effectLst/>
-              <a:latin typeface="+mn-lt"/>
-              <a:ea typeface="+mn-ea"/>
-              <a:cs typeface="+mn-cs"/>
-            </a:endParaRPr>
-          </a:p>
-          <a:p>
-            <a:r>
-              <a:rPr lang="en-US" sz="1200" b="0" i="0" kern="1200" dirty="0">
-                <a:solidFill>
-                  <a:schemeClr val="tx1"/>
-                </a:solidFill>
-                <a:effectLst/>
-                <a:latin typeface="+mn-lt"/>
-                <a:ea typeface="+mn-ea"/>
-                <a:cs typeface="+mn-cs"/>
-              </a:rPr>
-              <a:t>API Testing</a:t>
-            </a:r>
-          </a:p>
-          <a:p>
-            <a:r>
-              <a:rPr lang="en-US" sz="1200" b="0" i="0" kern="1200" dirty="0">
-                <a:solidFill>
-                  <a:schemeClr val="tx1"/>
-                </a:solidFill>
-                <a:effectLst/>
-                <a:latin typeface="+mn-lt"/>
-                <a:ea typeface="+mn-ea"/>
-                <a:cs typeface="+mn-cs"/>
-              </a:rPr>
-              <a:t>The ability of APIs to describe their own structure is the root of all awesomeness in </a:t>
-            </a:r>
-            <a:r>
-              <a:rPr lang="en-US" sz="1200" b="0" i="0" kern="1200" dirty="0" err="1">
-                <a:solidFill>
-                  <a:schemeClr val="tx1"/>
-                </a:solidFill>
-                <a:effectLst/>
-                <a:latin typeface="+mn-lt"/>
-                <a:ea typeface="+mn-ea"/>
-                <a:cs typeface="+mn-cs"/>
-              </a:rPr>
+              <a:rPr lang="de-DE" dirty="0"/>
+              <a:t>Mit </a:t>
+            </a:r>
+            <a:r>
+              <a:rPr lang="de-DE" dirty="0" err="1"/>
               <a:t>OpenAPI</a:t>
             </a:r>
             <a:r>
-              <a:rPr lang="en-US" sz="1200" b="0" i="0" kern="1200" dirty="0">
-                <a:solidFill>
-                  <a:schemeClr val="tx1"/>
-                </a:solidFill>
-                <a:effectLst/>
-                <a:latin typeface="+mn-lt"/>
-                <a:ea typeface="+mn-ea"/>
-                <a:cs typeface="+mn-cs"/>
-              </a:rPr>
-              <a:t>. Once written, an </a:t>
-            </a:r>
-            <a:r>
-              <a:rPr lang="en-US" sz="1200" b="0" i="0" kern="1200" dirty="0" err="1">
-                <a:solidFill>
-                  <a:schemeClr val="tx1"/>
-                </a:solidFill>
-                <a:effectLst/>
-                <a:latin typeface="+mn-lt"/>
-                <a:ea typeface="+mn-ea"/>
-                <a:cs typeface="+mn-cs"/>
-              </a:rPr>
-              <a:t>OpenAPI</a:t>
-            </a:r>
-            <a:r>
-              <a:rPr lang="en-US" sz="1200" b="0" i="0" kern="1200" dirty="0">
-                <a:solidFill>
-                  <a:schemeClr val="tx1"/>
-                </a:solidFill>
-                <a:effectLst/>
-                <a:latin typeface="+mn-lt"/>
-                <a:ea typeface="+mn-ea"/>
-                <a:cs typeface="+mn-cs"/>
-              </a:rPr>
-              <a:t> specification and Swagger tools can drive your API development further in various ways</a:t>
-            </a:r>
-            <a:endParaRPr lang="de-DE" dirty="0"/>
+              <a:rPr lang="de-DE" dirty="0"/>
+              <a:t> ist ein </a:t>
+            </a:r>
+            <a:r>
+              <a:rPr lang="de-DE" dirty="0" err="1"/>
+              <a:t>Standart</a:t>
+            </a:r>
+            <a:r>
+              <a:rPr lang="de-DE" dirty="0"/>
+              <a:t> um eine Maschinen und Menschenlesbare Beschreibung einer Schnittstelle ermöglicht werden.</a:t>
+            </a:r>
+          </a:p>
+          <a:p>
+            <a:r>
+              <a:rPr lang="de-DE" dirty="0"/>
+              <a:t>Die Spezifikation ist ein Satz von Regeln um die Schnittstelle zu Implementieren.</a:t>
+            </a:r>
+          </a:p>
+          <a:p>
+            <a:r>
+              <a:rPr lang="de-DE" dirty="0"/>
+              <a:t>So können wir Meta-Informationen der gesamten API, Auszüge der API angeben und </a:t>
+            </a:r>
+            <a:r>
+              <a:rPr lang="de-DE" dirty="0" err="1"/>
+              <a:t>detallierte</a:t>
+            </a:r>
+            <a:r>
+              <a:rPr lang="de-DE" dirty="0"/>
+              <a:t> Information für jeden einzelnen </a:t>
+            </a:r>
+            <a:r>
+              <a:rPr lang="de-DE" dirty="0" err="1"/>
+              <a:t>Endpoint</a:t>
+            </a:r>
+            <a:r>
+              <a:rPr lang="de-DE" dirty="0"/>
+              <a:t> definieren.</a:t>
+            </a:r>
           </a:p>
         </p:txBody>
       </p:sp>
@@ -952,7 +840,7 @@
           <a:p>
             <a:fld id="{0EEC9881-CE87-412E-9AFD-907C38E0627E}" type="slidenum">
               <a:rPr lang="de-DE" smtClean="0"/>
-              <a:t>9</a:t>
+              <a:t>7</a:t>
             </a:fld>
             <a:endParaRPr lang="de-DE"/>
           </a:p>
@@ -961,7 +849,7 @@
     </p:spTree>
     <p:extLst>
       <p:ext uri="{BB962C8B-B14F-4D97-AF65-F5344CB8AC3E}">
-        <p14:creationId xmlns:p14="http://schemas.microsoft.com/office/powerpoint/2010/main" val="2982466910"/>
+        <p14:creationId xmlns:p14="http://schemas.microsoft.com/office/powerpoint/2010/main" val="2664184874"/>
       </p:ext>
     </p:extLst>
   </p:cSld>
@@ -1016,7 +904,7 @@
           <a:lstStyle/>
           <a:p>
             <a:r>
-              <a:rPr lang="en-US" sz="1200" b="0" i="0" kern="1200" dirty="0">
+              <a:rPr lang="en-US" sz="1200" b="0" i="0" kern="1200" dirty="0" err="1">
                 <a:solidFill>
                   <a:schemeClr val="tx1"/>
                 </a:solidFill>
@@ -1025,7 +913,225 @@
                 <a:ea typeface="+mn-ea"/>
                 <a:cs typeface="+mn-cs"/>
               </a:rPr>
-              <a:t>The ability of APIs to describe their own structure is the root of all awesomeness in </a:t>
+              <a:t>Warum</a:t>
+            </a:r>
+            <a:r>
+              <a:rPr lang="en-US" sz="1200" b="0" i="0" kern="1200" dirty="0">
+                <a:solidFill>
+                  <a:schemeClr val="tx1"/>
+                </a:solidFill>
+                <a:effectLst/>
+                <a:latin typeface="+mn-lt"/>
+                <a:ea typeface="+mn-ea"/>
+                <a:cs typeface="+mn-cs"/>
+              </a:rPr>
+              <a:t> Swagger?</a:t>
+            </a:r>
+          </a:p>
+          <a:p>
+            <a:r>
+              <a:rPr lang="en-US" sz="1200" b="0" i="0" kern="1200" dirty="0">
+                <a:solidFill>
+                  <a:schemeClr val="tx1"/>
+                </a:solidFill>
+                <a:effectLst/>
+                <a:latin typeface="+mn-lt"/>
+                <a:ea typeface="+mn-ea"/>
+                <a:cs typeface="+mn-cs"/>
+              </a:rPr>
+              <a:t>Die </a:t>
+            </a:r>
+            <a:r>
+              <a:rPr lang="en-US" sz="1200" b="0" i="0" kern="1200" dirty="0" err="1">
+                <a:solidFill>
+                  <a:schemeClr val="tx1"/>
+                </a:solidFill>
+                <a:effectLst/>
+                <a:latin typeface="+mn-lt"/>
+                <a:ea typeface="+mn-ea"/>
+                <a:cs typeface="+mn-cs"/>
+              </a:rPr>
+              <a:t>Begriffe</a:t>
+            </a:r>
+            <a:r>
+              <a:rPr lang="en-US" sz="1200" b="0" i="0" kern="1200" dirty="0">
+                <a:solidFill>
+                  <a:schemeClr val="tx1"/>
+                </a:solidFill>
+                <a:effectLst/>
+                <a:latin typeface="+mn-lt"/>
+                <a:ea typeface="+mn-ea"/>
+                <a:cs typeface="+mn-cs"/>
+              </a:rPr>
+              <a:t> warden </a:t>
+            </a:r>
+            <a:r>
+              <a:rPr lang="en-US" sz="1200" b="0" i="0" kern="1200" dirty="0" err="1">
+                <a:solidFill>
+                  <a:schemeClr val="tx1"/>
+                </a:solidFill>
+                <a:effectLst/>
+                <a:latin typeface="+mn-lt"/>
+                <a:ea typeface="+mn-ea"/>
+                <a:cs typeface="+mn-cs"/>
+              </a:rPr>
+              <a:t>hier</a:t>
+            </a:r>
+            <a:r>
+              <a:rPr lang="en-US" sz="1200" b="0" i="0" kern="1200" dirty="0">
+                <a:solidFill>
+                  <a:schemeClr val="tx1"/>
+                </a:solidFill>
+                <a:effectLst/>
+                <a:latin typeface="+mn-lt"/>
+                <a:ea typeface="+mn-ea"/>
+                <a:cs typeface="+mn-cs"/>
+              </a:rPr>
+              <a:t> </a:t>
+            </a:r>
+            <a:r>
+              <a:rPr lang="en-US" sz="1200" b="0" i="0" kern="1200" dirty="0" err="1">
+                <a:solidFill>
+                  <a:schemeClr val="tx1"/>
+                </a:solidFill>
+                <a:effectLst/>
+                <a:latin typeface="+mn-lt"/>
+                <a:ea typeface="+mn-ea"/>
+                <a:cs typeface="+mn-cs"/>
+              </a:rPr>
+              <a:t>etwas</a:t>
+            </a:r>
+            <a:r>
+              <a:rPr lang="en-US" sz="1200" b="0" i="0" kern="1200" dirty="0">
+                <a:solidFill>
+                  <a:schemeClr val="tx1"/>
+                </a:solidFill>
+                <a:effectLst/>
+                <a:latin typeface="+mn-lt"/>
+                <a:ea typeface="+mn-ea"/>
+                <a:cs typeface="+mn-cs"/>
+              </a:rPr>
+              <a:t> </a:t>
+            </a:r>
+            <a:r>
+              <a:rPr lang="en-US" sz="1200" b="0" i="0" kern="1200" dirty="0" err="1">
+                <a:solidFill>
+                  <a:schemeClr val="tx1"/>
+                </a:solidFill>
+                <a:effectLst/>
+                <a:latin typeface="+mn-lt"/>
+                <a:ea typeface="+mn-ea"/>
+                <a:cs typeface="+mn-cs"/>
+              </a:rPr>
+              <a:t>Schwammig</a:t>
+            </a:r>
+            <a:r>
+              <a:rPr lang="en-US" sz="1200" b="0" i="0" kern="1200" dirty="0">
+                <a:solidFill>
+                  <a:schemeClr val="tx1"/>
+                </a:solidFill>
+                <a:effectLst/>
+                <a:latin typeface="+mn-lt"/>
+                <a:ea typeface="+mn-ea"/>
+                <a:cs typeface="+mn-cs"/>
+              </a:rPr>
+              <a:t> </a:t>
+            </a:r>
+            <a:r>
+              <a:rPr lang="en-US" sz="1200" b="0" i="0" kern="1200" dirty="0" err="1">
+                <a:solidFill>
+                  <a:schemeClr val="tx1"/>
+                </a:solidFill>
+                <a:effectLst/>
+                <a:latin typeface="+mn-lt"/>
+                <a:ea typeface="+mn-ea"/>
+                <a:cs typeface="+mn-cs"/>
+              </a:rPr>
+              <a:t>verwendet</a:t>
+            </a:r>
+            <a:r>
+              <a:rPr lang="en-US" sz="1200" b="0" i="0" kern="1200" dirty="0">
+                <a:solidFill>
+                  <a:schemeClr val="tx1"/>
+                </a:solidFill>
+                <a:effectLst/>
+                <a:latin typeface="+mn-lt"/>
+                <a:ea typeface="+mn-ea"/>
+                <a:cs typeface="+mn-cs"/>
+              </a:rPr>
+              <a:t>. Swagger </a:t>
+            </a:r>
+            <a:r>
+              <a:rPr lang="en-US" sz="1200" b="0" i="0" kern="1200" dirty="0" err="1">
+                <a:solidFill>
+                  <a:schemeClr val="tx1"/>
+                </a:solidFill>
+                <a:effectLst/>
+                <a:latin typeface="+mn-lt"/>
+                <a:ea typeface="+mn-ea"/>
+                <a:cs typeface="+mn-cs"/>
+              </a:rPr>
+              <a:t>bietet</a:t>
+            </a:r>
+            <a:r>
+              <a:rPr lang="en-US" sz="1200" b="0" i="0" kern="1200" dirty="0">
+                <a:solidFill>
+                  <a:schemeClr val="tx1"/>
+                </a:solidFill>
+                <a:effectLst/>
+                <a:latin typeface="+mn-lt"/>
+                <a:ea typeface="+mn-ea"/>
+                <a:cs typeface="+mn-cs"/>
+              </a:rPr>
+              <a:t> </a:t>
+            </a:r>
+            <a:r>
+              <a:rPr lang="en-US" sz="1200" b="0" i="0" kern="1200" dirty="0" err="1">
+                <a:solidFill>
+                  <a:schemeClr val="tx1"/>
+                </a:solidFill>
+                <a:effectLst/>
+                <a:latin typeface="+mn-lt"/>
+                <a:ea typeface="+mn-ea"/>
+                <a:cs typeface="+mn-cs"/>
+              </a:rPr>
+              <a:t>eine</a:t>
+            </a:r>
+            <a:r>
+              <a:rPr lang="en-US" sz="1200" b="0" i="0" kern="1200" dirty="0">
+                <a:solidFill>
+                  <a:schemeClr val="tx1"/>
+                </a:solidFill>
+                <a:effectLst/>
+                <a:latin typeface="+mn-lt"/>
+                <a:ea typeface="+mn-ea"/>
+                <a:cs typeface="+mn-cs"/>
+              </a:rPr>
+              <a:t> Art Toolset, </a:t>
+            </a:r>
+            <a:r>
+              <a:rPr lang="en-US" sz="1200" b="0" i="0" kern="1200" dirty="0" err="1">
+                <a:solidFill>
+                  <a:schemeClr val="tx1"/>
+                </a:solidFill>
+                <a:effectLst/>
+                <a:latin typeface="+mn-lt"/>
+                <a:ea typeface="+mn-ea"/>
+                <a:cs typeface="+mn-cs"/>
+              </a:rPr>
+              <a:t>zugeschnitten</a:t>
+            </a:r>
+            <a:r>
+              <a:rPr lang="en-US" sz="1200" b="0" i="0" kern="1200" dirty="0">
+                <a:solidFill>
+                  <a:schemeClr val="tx1"/>
+                </a:solidFill>
+                <a:effectLst/>
+                <a:latin typeface="+mn-lt"/>
+                <a:ea typeface="+mn-ea"/>
+                <a:cs typeface="+mn-cs"/>
+              </a:rPr>
+              <a:t> auf die </a:t>
             </a:r>
             <a:r>
               <a:rPr lang="en-US" sz="1200" b="0" i="0" kern="1200" dirty="0" err="1">
@@ -1049,10 +1155,23 @@
                 <a:ea typeface="+mn-ea"/>
                 <a:cs typeface="+mn-cs"/>
               </a:rPr>
-              <a:t>. Once written, an </a:t>
-            </a:r>
-            <a:r>
-              <a:rPr lang="en-US" sz="1200" b="0" i="0" kern="1200" dirty="0" err="1">
+              <a:t> specification</a:t>
+            </a:r>
+          </a:p>
+          <a:p>
+            <a:endParaRPr lang="en-US" sz="1200" b="0" i="0" kern="1200" dirty="0">
+              <a:solidFill>
+                <a:schemeClr val="tx1"/>
+              </a:solidFill>
+              <a:effectLst/>
+              <a:latin typeface="+mn-lt"/>
+              <a:ea typeface="+mn-ea"/>
+              <a:cs typeface="+mn-cs"/>
+            </a:endParaRPr>
+          </a:p>
+          <a:p>
+            <a:r>
+              <a:rPr lang="en-US" sz="1200" b="0" i="0" kern="1200" dirty="0">
                 <a:solidFill>
                   <a:schemeClr val="tx1"/>
                 </a:solidFill>
@@ -1061,20 +1180,226 @@
                 <a:ea typeface="+mn-ea"/>
                 <a:cs typeface="+mn-cs"/>
               </a:rPr>
+              <a:t>Swagger hub:</a:t>
+            </a:r>
+          </a:p>
+          <a:p>
+            <a:r>
+              <a:rPr lang="de-DE" sz="1200" dirty="0" err="1"/>
+              <a:t>Konsitenz</a:t>
+            </a:r>
+            <a:r>
+              <a:rPr lang="de-DE" sz="1200" dirty="0"/>
+              <a:t> über verschiedene APIs hinweg erzwingen </a:t>
+            </a:r>
+            <a:r>
+              <a:rPr lang="de-DE" sz="1200" dirty="0" err="1"/>
+              <a:t>bzw</a:t>
+            </a:r>
+            <a:r>
+              <a:rPr lang="de-DE" sz="1200" dirty="0"/>
+              <a:t> zu garantieren</a:t>
+            </a:r>
+          </a:p>
+          <a:p>
+            <a:r>
+              <a:rPr lang="de-DE" sz="1200" dirty="0"/>
+              <a:t>Vordefinierte Regel </a:t>
+            </a:r>
+            <a:r>
+              <a:rPr lang="de-DE" sz="1200" dirty="0" err="1"/>
+              <a:t>checkboxen</a:t>
+            </a:r>
+            <a:endParaRPr lang="de-DE" sz="1200" dirty="0"/>
+          </a:p>
+          <a:p>
+            <a:r>
+              <a:rPr lang="de-DE" sz="1200" dirty="0"/>
+              <a:t>Benutzerdefinierte Regeln mit </a:t>
+            </a:r>
+            <a:r>
+              <a:rPr lang="de-DE" sz="1200" dirty="0" err="1"/>
+              <a:t>Regexen</a:t>
+            </a:r>
+            <a:endParaRPr lang="de-DE" sz="1200" dirty="0"/>
+          </a:p>
+          <a:p>
+            <a:endParaRPr lang="de-DE" sz="1200" dirty="0"/>
+          </a:p>
+          <a:p>
+            <a:r>
+              <a:rPr lang="de-DE" sz="1200" dirty="0" err="1"/>
+              <a:t>ReadyAPI</a:t>
+            </a:r>
+            <a:r>
+              <a:rPr lang="de-DE" sz="1200" dirty="0"/>
+              <a:t>:</a:t>
+            </a:r>
+          </a:p>
+          <a:p>
+            <a:r>
+              <a:rPr lang="de-DE" sz="1200" dirty="0" err="1"/>
+              <a:t>Authentification</a:t>
+            </a:r>
+            <a:r>
+              <a:rPr lang="de-DE" sz="1200" dirty="0"/>
+              <a:t>, </a:t>
+            </a:r>
+            <a:r>
+              <a:rPr lang="de-DE" sz="1200" dirty="0" err="1"/>
+              <a:t>Authorization</a:t>
+            </a:r>
+            <a:r>
+              <a:rPr lang="de-DE" sz="1200" dirty="0"/>
+              <a:t> und Performance Tests</a:t>
+            </a:r>
+          </a:p>
+          <a:p>
+            <a:endParaRPr lang="de-DE" sz="1200" dirty="0"/>
+          </a:p>
+          <a:p>
+            <a:r>
+              <a:rPr lang="de-DE" sz="1200" dirty="0" err="1"/>
+              <a:t>Swagger</a:t>
+            </a:r>
+            <a:r>
+              <a:rPr lang="de-DE" sz="1200" dirty="0"/>
+              <a:t> </a:t>
+            </a:r>
+            <a:r>
+              <a:rPr lang="de-DE" sz="1200" dirty="0" err="1"/>
+              <a:t>Inspector</a:t>
+            </a:r>
+            <a:r>
+              <a:rPr lang="de-DE" sz="1200" dirty="0"/>
+              <a:t>:</a:t>
+            </a:r>
+          </a:p>
+          <a:p>
+            <a:r>
+              <a:rPr lang="de-DE" sz="1200" dirty="0" err="1"/>
+              <a:t>Integrations</a:t>
+            </a:r>
+            <a:r>
+              <a:rPr lang="de-DE" sz="1200" dirty="0"/>
+              <a:t> und </a:t>
+            </a:r>
+            <a:r>
+              <a:rPr lang="de-DE" sz="1200" dirty="0" err="1"/>
+              <a:t>Funktions</a:t>
+            </a:r>
+            <a:r>
+              <a:rPr lang="de-DE" sz="1200" dirty="0"/>
+              <a:t> Tests</a:t>
+            </a:r>
+          </a:p>
+          <a:p>
+            <a:r>
+              <a:rPr lang="de-DE" sz="1200" dirty="0"/>
+              <a:t>Generieren der </a:t>
+            </a:r>
+            <a:r>
+              <a:rPr lang="de-DE" sz="1200" dirty="0" err="1"/>
               <a:t>OpenAPI</a:t>
             </a:r>
             <a:r>
-              <a:rPr lang="en-US" sz="1200" b="0" i="0" kern="1200" dirty="0">
-                <a:solidFill>
-                  <a:schemeClr val="tx1"/>
-                </a:solidFill>
-                <a:effectLst/>
-                <a:latin typeface="+mn-lt"/>
-                <a:ea typeface="+mn-ea"/>
-                <a:cs typeface="+mn-cs"/>
-              </a:rPr>
-              <a:t> specification and Swagger tools can drive your API development further in various ways</a:t>
-            </a:r>
+              <a:rPr lang="de-DE" sz="1200" dirty="0"/>
+              <a:t> </a:t>
+            </a:r>
+            <a:r>
+              <a:rPr lang="de-DE" sz="1200" dirty="0" err="1"/>
+              <a:t>specification</a:t>
+            </a:r>
+            <a:r>
+              <a:rPr lang="de-DE" sz="1200" dirty="0"/>
+              <a:t> vom Code</a:t>
+            </a:r>
+          </a:p>
+          <a:p>
+            <a:endParaRPr lang="de-DE" sz="1200" dirty="0"/>
+          </a:p>
+          <a:p>
+            <a:r>
+              <a:rPr lang="de-DE" sz="1200" dirty="0" err="1"/>
+              <a:t>Swagger</a:t>
+            </a:r>
+            <a:r>
+              <a:rPr lang="de-DE" sz="1200" dirty="0"/>
+              <a:t> </a:t>
+            </a:r>
+            <a:r>
+              <a:rPr lang="de-DE" sz="1200" dirty="0" err="1"/>
+              <a:t>Codegen</a:t>
+            </a:r>
+            <a:r>
+              <a:rPr lang="de-DE" sz="1200" dirty="0"/>
+              <a:t>:</a:t>
+            </a:r>
+          </a:p>
+          <a:p>
+            <a:r>
+              <a:rPr lang="de-DE" sz="1200" dirty="0"/>
+              <a:t>Code </a:t>
+            </a:r>
+            <a:r>
+              <a:rPr lang="de-DE" sz="1200" dirty="0" err="1"/>
+              <a:t>generierung</a:t>
+            </a:r>
+            <a:r>
+              <a:rPr lang="de-DE" sz="1200" dirty="0"/>
+              <a:t> aus der Definition (für einige verschiedene Sprachen)</a:t>
+            </a:r>
+          </a:p>
+          <a:p>
+            <a:endParaRPr lang="de-DE" sz="1200" dirty="0"/>
+          </a:p>
+          <a:p>
+            <a:r>
+              <a:rPr lang="de-DE" sz="1200" dirty="0" err="1"/>
+              <a:t>Swagger</a:t>
+            </a:r>
+            <a:r>
+              <a:rPr lang="de-DE" sz="1200" dirty="0"/>
+              <a:t> UI;</a:t>
+            </a:r>
+          </a:p>
+          <a:p>
+            <a:r>
+              <a:rPr lang="de-DE" dirty="0"/>
+              <a:t>Übersicht aller Anfragen</a:t>
+            </a:r>
+          </a:p>
+          <a:p>
+            <a:r>
+              <a:rPr lang="de-DE" dirty="0"/>
+              <a:t>Möglichkeit diese zu Testen</a:t>
+            </a:r>
+          </a:p>
+          <a:p>
+            <a:endParaRPr lang="de-DE" sz="1200" dirty="0"/>
+          </a:p>
+          <a:p>
+            <a:r>
+              <a:rPr lang="de-DE" sz="1200" dirty="0" err="1"/>
+              <a:t>Swagger</a:t>
+            </a:r>
+            <a:r>
+              <a:rPr lang="de-DE" sz="1200" dirty="0"/>
+              <a:t> Editor:</a:t>
+            </a:r>
+          </a:p>
+          <a:p>
+            <a:r>
+              <a:rPr lang="de-DE" dirty="0"/>
+              <a:t>Online Editor zum API spezifizieren mit live </a:t>
+            </a:r>
+            <a:r>
+              <a:rPr lang="de-DE" dirty="0" err="1"/>
+              <a:t>SwaggerUI</a:t>
+            </a:r>
+            <a:endParaRPr lang="de-DE" sz="1200" dirty="0"/>
+          </a:p>
+          <a:p>
             <a:endParaRPr lang="de-DE" dirty="0"/>
           </a:p>
         </p:txBody>
@@ -1096,7 +1421,7 @@
           <a:p>
             <a:fld id="{0EEC9881-CE87-412E-9AFD-907C38E0627E}" type="slidenum">
               <a:rPr lang="de-DE" smtClean="0"/>
-              <a:t>10</a:t>
+              <a:t>9</a:t>
             </a:fld>
             <a:endParaRPr lang="de-DE"/>
           </a:p>
@@ -1105,7 +1430,7 @@
     </p:spTree>
     <p:extLst>
       <p:ext uri="{BB962C8B-B14F-4D97-AF65-F5344CB8AC3E}">
-        <p14:creationId xmlns:p14="http://schemas.microsoft.com/office/powerpoint/2010/main" val="3781267568"/>
+        <p14:creationId xmlns:p14="http://schemas.microsoft.com/office/powerpoint/2010/main" val="2982466910"/>
       </p:ext>
     </p:extLst>
   </p:cSld>
@@ -1240,7 +1565,7 @@
           <a:p>
             <a:fld id="{0EEC9881-CE87-412E-9AFD-907C38E0627E}" type="slidenum">
               <a:rPr lang="de-DE" smtClean="0"/>
-              <a:t>11</a:t>
+              <a:t>10</a:t>
             </a:fld>
             <a:endParaRPr lang="de-DE"/>
           </a:p>
@@ -1304,66 +1629,101 @@
           <a:lstStyle/>
           <a:p>
             <a:r>
-              <a:rPr lang="en-US" sz="1200" b="0" i="0" kern="1200" dirty="0">
-                <a:solidFill>
-                  <a:schemeClr val="tx1"/>
-                </a:solidFill>
-                <a:effectLst/>
-                <a:latin typeface="+mn-lt"/>
-                <a:ea typeface="+mn-ea"/>
-                <a:cs typeface="+mn-cs"/>
-              </a:rPr>
-              <a:t>The ability of APIs to describe their own structure is the root of all awesomeness in </a:t>
-            </a:r>
-            <a:r>
-              <a:rPr lang="en-US" sz="1200" b="0" i="0" kern="1200" dirty="0" err="1">
-                <a:solidFill>
-                  <a:schemeClr val="tx1"/>
-                </a:solidFill>
-                <a:effectLst/>
-                <a:latin typeface="+mn-lt"/>
-                <a:ea typeface="+mn-ea"/>
-                <a:cs typeface="+mn-cs"/>
-              </a:rPr>
-              <a:t>OpenAPI</a:t>
-            </a:r>
-            <a:r>
-              <a:rPr lang="en-US" sz="1200" b="0" i="0" kern="1200" dirty="0">
-                <a:solidFill>
-                  <a:schemeClr val="tx1"/>
-                </a:solidFill>
-                <a:effectLst/>
-                <a:latin typeface="+mn-lt"/>
-                <a:ea typeface="+mn-ea"/>
-                <a:cs typeface="+mn-cs"/>
-              </a:rPr>
-              <a:t>. Once written, an </a:t>
-            </a:r>
-            <a:r>
-              <a:rPr lang="en-US" sz="1200" b="0" i="0" kern="1200" dirty="0" err="1">
-                <a:solidFill>
-                  <a:schemeClr val="tx1"/>
-                </a:solidFill>
-                <a:effectLst/>
-                <a:latin typeface="+mn-lt"/>
-                <a:ea typeface="+mn-ea"/>
-                <a:cs typeface="+mn-cs"/>
-              </a:rPr>
-              <a:t>OpenAPI</a:t>
-            </a:r>
-            <a:r>
-              <a:rPr lang="en-US" sz="1200" b="0" i="0" kern="1200" dirty="0">
-                <a:solidFill>
-                  <a:schemeClr val="tx1"/>
-                </a:solidFill>
-                <a:effectLst/>
-                <a:latin typeface="+mn-lt"/>
-                <a:ea typeface="+mn-ea"/>
-                <a:cs typeface="+mn-cs"/>
-              </a:rPr>
-              <a:t> specification and Swagger tools can drive your API development further in various ways</a:t>
-            </a:r>
-            <a:endParaRPr lang="de-DE" dirty="0"/>
+              <a:rPr lang="de-DE" dirty="0"/>
+              <a:t>Sein wir mal ehrlich, auch das wäre euch allen zu viel Aufwand.</a:t>
+            </a:r>
+          </a:p>
+          <a:p>
+            <a:r>
+              <a:rPr lang="de-DE" dirty="0"/>
+              <a:t>Viele </a:t>
+            </a:r>
+            <a:r>
+              <a:rPr lang="de-DE" dirty="0" err="1"/>
+              <a:t>state</a:t>
+            </a:r>
+            <a:r>
+              <a:rPr lang="de-DE" dirty="0"/>
+              <a:t> </a:t>
+            </a:r>
+            <a:r>
+              <a:rPr lang="de-DE" dirty="0" err="1"/>
+              <a:t>of</a:t>
+            </a:r>
+            <a:r>
+              <a:rPr lang="de-DE" dirty="0"/>
+              <a:t> </a:t>
+            </a:r>
+            <a:r>
+              <a:rPr lang="de-DE" dirty="0" err="1"/>
+              <a:t>the</a:t>
+            </a:r>
+            <a:r>
+              <a:rPr lang="de-DE" dirty="0"/>
+              <a:t> </a:t>
+            </a:r>
+            <a:r>
+              <a:rPr lang="de-DE" dirty="0" err="1"/>
+              <a:t>art</a:t>
+            </a:r>
+            <a:r>
+              <a:rPr lang="de-DE" dirty="0"/>
+              <a:t> Backend </a:t>
+            </a:r>
+            <a:r>
+              <a:rPr lang="de-DE" dirty="0" err="1"/>
+              <a:t>systeme</a:t>
+            </a:r>
+            <a:r>
+              <a:rPr lang="de-DE" dirty="0"/>
+              <a:t> bieten die </a:t>
+            </a:r>
+            <a:r>
+              <a:rPr lang="de-DE" dirty="0" err="1"/>
+              <a:t>Swagger</a:t>
+            </a:r>
+            <a:r>
+              <a:rPr lang="de-DE" dirty="0"/>
+              <a:t> </a:t>
+            </a:r>
+            <a:r>
+              <a:rPr lang="de-DE" dirty="0" err="1"/>
+              <a:t>integration</a:t>
+            </a:r>
+            <a:r>
+              <a:rPr lang="de-DE" dirty="0"/>
+              <a:t> als eine Art </a:t>
+            </a:r>
+            <a:r>
+              <a:rPr lang="de-DE" dirty="0" err="1"/>
+              <a:t>Plugin</a:t>
+            </a:r>
+            <a:r>
+              <a:rPr lang="de-DE" dirty="0"/>
+              <a:t> an.</a:t>
+            </a:r>
+          </a:p>
+          <a:p>
+            <a:r>
+              <a:rPr lang="de-DE" dirty="0"/>
+              <a:t>So wird aus mal mehr, mal weniger </a:t>
+            </a:r>
+            <a:r>
+              <a:rPr lang="de-DE" dirty="0" err="1"/>
+              <a:t>information</a:t>
+            </a:r>
+            <a:r>
+              <a:rPr lang="de-DE" dirty="0"/>
+              <a:t> aus dem Code direkt eine </a:t>
+            </a:r>
+            <a:r>
+              <a:rPr lang="de-DE" dirty="0" err="1"/>
+              <a:t>SwaggerUI</a:t>
+            </a:r>
+            <a:r>
+              <a:rPr lang="de-DE" dirty="0"/>
+              <a:t> erstellt.</a:t>
+            </a:r>
           </a:p>
         </p:txBody>
       </p:sp>
@@ -1384,7 +1744,7 @@
           <a:p>
             <a:fld id="{0EEC9881-CE87-412E-9AFD-907C38E0627E}" type="slidenum">
               <a:rPr lang="de-DE" smtClean="0"/>
-              <a:t>12</a:t>
+              <a:t>11</a:t>
             </a:fld>
             <a:endParaRPr lang="de-DE"/>
           </a:p>
@@ -1393,7 +1753,7 @@
     </p:spTree>
     <p:extLst>
       <p:ext uri="{BB962C8B-B14F-4D97-AF65-F5344CB8AC3E}">
-        <p14:creationId xmlns:p14="http://schemas.microsoft.com/office/powerpoint/2010/main" val="1340335465"/>
+        <p14:creationId xmlns:p14="http://schemas.microsoft.com/office/powerpoint/2010/main" val="3999504799"/>
       </p:ext>
     </p:extLst>
   </p:cSld>
@@ -1447,102 +1807,7 @@
           <a:bodyPr/>
           <a:lstStyle/>
           <a:p>
-            <a:r>
-              <a:rPr lang="de-DE" dirty="0"/>
-              <a:t>Sein wir mal ehrlich, auch das wäre euch allen zu viel Aufwand.</a:t>
-            </a:r>
-          </a:p>
-          <a:p>
-            <a:r>
-              <a:rPr lang="de-DE" dirty="0"/>
-              <a:t>Viele </a:t>
-            </a:r>
-            <a:r>
-              <a:rPr lang="de-DE" dirty="0" err="1"/>
-              <a:t>state</a:t>
-            </a:r>
-            <a:r>
-              <a:rPr lang="de-DE" dirty="0"/>
-              <a:t> </a:t>
-            </a:r>
-            <a:r>
-              <a:rPr lang="de-DE" dirty="0" err="1"/>
-              <a:t>of</a:t>
-            </a:r>
-            <a:r>
-              <a:rPr lang="de-DE" dirty="0"/>
-              <a:t> </a:t>
-            </a:r>
-            <a:r>
-              <a:rPr lang="de-DE" dirty="0" err="1"/>
-              <a:t>the</a:t>
-            </a:r>
-            <a:r>
-              <a:rPr lang="de-DE" dirty="0"/>
-              <a:t> </a:t>
-            </a:r>
-            <a:r>
-              <a:rPr lang="de-DE" dirty="0" err="1"/>
-              <a:t>art</a:t>
-            </a:r>
-            <a:r>
-              <a:rPr lang="de-DE" dirty="0"/>
-              <a:t> Backend </a:t>
-            </a:r>
-            <a:r>
-              <a:rPr lang="de-DE" dirty="0" err="1"/>
-              <a:t>systeme</a:t>
-            </a:r>
-            <a:r>
-              <a:rPr lang="de-DE" dirty="0"/>
-              <a:t> bieten die </a:t>
-            </a:r>
-            <a:r>
-              <a:rPr lang="de-DE" dirty="0" err="1"/>
-              <a:t>Swagger</a:t>
-            </a:r>
-            <a:r>
-              <a:rPr lang="de-DE" dirty="0"/>
-              <a:t> </a:t>
-            </a:r>
-            <a:r>
-              <a:rPr lang="de-DE" dirty="0" err="1"/>
-              <a:t>integration</a:t>
-            </a:r>
-            <a:r>
-              <a:rPr lang="de-DE" dirty="0"/>
-              <a:t> als eine Art </a:t>
-            </a:r>
-            <a:r>
-              <a:rPr lang="de-DE" dirty="0" err="1"/>
-              <a:t>Plugin</a:t>
-            </a:r>
-            <a:r>
-              <a:rPr lang="de-DE" dirty="0"/>
-              <a:t> an.</a:t>
-            </a:r>
-          </a:p>
-          <a:p>
-            <a:r>
-              <a:rPr lang="de-DE" dirty="0"/>
-              <a:t>So wird aus mal mehr, mal weniger </a:t>
-            </a:r>
-            <a:r>
-              <a:rPr lang="de-DE" dirty="0" err="1"/>
-              <a:t>information</a:t>
-            </a:r>
-            <a:r>
-              <a:rPr lang="de-DE" dirty="0"/>
-              <a:t> aus dem Code direkt eine </a:t>
-            </a:r>
-            <a:r>
-              <a:rPr lang="de-DE" dirty="0" err="1"/>
-              <a:t>SwaggerUI</a:t>
-            </a:r>
-            <a:r>
-              <a:rPr lang="de-DE" dirty="0"/>
-              <a:t> erstellt.</a:t>
-            </a:r>
+            <a:endParaRPr lang="de-DE" dirty="0"/>
           </a:p>
         </p:txBody>
       </p:sp>
@@ -1564,90 +1829,6 @@
             <a:fld id="{0EEC9881-CE87-412E-9AFD-907C38E0627E}" type="slidenum">
               <a:rPr lang="de-DE" smtClean="0"/>
               <a:t>13</a:t>
-            </a:fld>
-            <a:endParaRPr lang="de-DE"/>
-          </a:p>
-        </p:txBody>
-      </p:sp>
-    </p:spTree>
-    <p:extLst>
-      <p:ext uri="{BB962C8B-B14F-4D97-AF65-F5344CB8AC3E}">
-        <p14:creationId xmlns:p14="http://schemas.microsoft.com/office/powerpoint/2010/main" val="3999504799"/>
-      </p:ext>
-    </p:extLst>
-  </p:cSld>
-  <p:clrMapOvr>
-    <a:masterClrMapping/>
-  </p:clrMapOvr>
-</p:notes>
-</file>
-
-<file path=ppt/notesSlides/notesSlide8.xml><?xml version="1.0" encoding="utf-8"?>
-<p:notes xmlns:a="http://schemas.openxmlformats.org/drawingml/2006/main" xmlns:r="http://schemas.openxmlformats.org/officeDocument/2006/relationships" xmlns:p="http://schemas.openxmlformats.org/presentationml/2006/main">
-  <p:cSld>
-    <p:spTree>
-      <p:nvGrpSpPr>
-        <p:cNvPr id="1" name=""/>
-        <p:cNvGrpSpPr/>
-        <p:nvPr/>
-      </p:nvGrpSpPr>
-      <p:grpSpPr>
-        <a:xfrm>
-          <a:off x="0" y="0"/>
-          <a:ext cx="0" cy="0"/>
-          <a:chOff x="0" y="0"/>
-          <a:chExt cx="0" cy="0"/>
-        </a:xfrm>
-      </p:grpSpPr>
-      <p:sp>
-        <p:nvSpPr>
-          <p:cNvPr id="2" name="Slide Image Placeholder 1"/>
-          <p:cNvSpPr>
-            <a:spLocks noGrp="1" noRot="1" noChangeAspect="1"/>
-          </p:cNvSpPr>
-          <p:nvPr>
-            <p:ph type="sldImg"/>
-          </p:nvPr>
-        </p:nvSpPr>
-        <p:spPr/>
-      </p:sp>
-      <p:sp>
-        <p:nvSpPr>
-          <p:cNvPr id="3" name="Notes Placeholder 2"/>
-          <p:cNvSpPr>
-            <a:spLocks noGrp="1"/>
-          </p:cNvSpPr>
-          <p:nvPr>
-            <p:ph type="body" idx="1"/>
-          </p:nvPr>
-        </p:nvSpPr>
-        <p:spPr/>
-        <p:txBody>
-          <a:bodyPr/>
-          <a:lstStyle/>
-          <a:p>
-            <a:endParaRPr lang="de-DE" dirty="0"/>
-          </a:p>
-        </p:txBody>
-      </p:sp>
-      <p:sp>
-        <p:nvSpPr>
-          <p:cNvPr id="4" name="Slide Number Placeholder 3"/>
-          <p:cNvSpPr>
-            <a:spLocks noGrp="1"/>
-          </p:cNvSpPr>
-          <p:nvPr>
-            <p:ph type="sldNum" sz="quarter" idx="5"/>
-          </p:nvPr>
-        </p:nvSpPr>
-        <p:spPr/>
-        <p:txBody>
-          <a:bodyPr/>
-          <a:lstStyle/>
-          <a:p>
-            <a:fld id="{0EEC9881-CE87-412E-9AFD-907C38E0627E}" type="slidenum">
-              <a:rPr lang="de-DE" smtClean="0"/>
-              <a:t>15</a:t>
             </a:fld>
             <a:endParaRPr lang="de-DE"/>
           </a:p>
@@ -2388,7 +2569,7 @@
           <a:p>
             <a:fld id="{EA0C0817-A112-4847-8014-A94B7D2A4EA3}" type="datetime1">
               <a:rPr lang="en-US" smtClean="0"/>
-              <a:t>3/25/2021</a:t>
+              <a:t>3/29/2021</a:t>
             </a:fld>
             <a:endParaRPr lang="en-US" dirty="0"/>
           </a:p>
@@ -2639,7 +2820,7 @@
           <a:p>
             <a:fld id="{F6FA2B21-3FCD-4721-B95C-427943F61125}" type="datetime1">
               <a:rPr lang="en-US" smtClean="0"/>
-              <a:t>3/25/2021</a:t>
+              <a:t>3/29/2021</a:t>
             </a:fld>
             <a:endParaRPr lang="en-US" dirty="0"/>
           </a:p>
@@ -2954,7 +3135,7 @@
           <a:p>
             <a:fld id="{F6FA2B21-3FCD-4721-B95C-427943F61125}" type="datetime1">
               <a:rPr lang="en-US" smtClean="0"/>
-              <a:t>3/25/2021</a:t>
+              <a:t>3/29/2021</a:t>
             </a:fld>
             <a:endParaRPr lang="en-US" dirty="0"/>
           </a:p>
@@ -3296,7 +3477,7 @@
           <a:p>
             <a:fld id="{F6FA2B21-3FCD-4721-B95C-427943F61125}" type="datetime1">
               <a:rPr lang="en-US" smtClean="0"/>
-              <a:t>3/25/2021</a:t>
+              <a:t>3/29/2021</a:t>
             </a:fld>
             <a:endParaRPr lang="en-US" dirty="0"/>
           </a:p>
@@ -3611,7 +3792,7 @@
           <a:p>
             <a:fld id="{F6FA2B21-3FCD-4721-B95C-427943F61125}" type="datetime1">
               <a:rPr lang="en-US" smtClean="0"/>
-              <a:t>3/25/2021</a:t>
+              <a:t>3/29/2021</a:t>
             </a:fld>
             <a:endParaRPr lang="en-US" dirty="0"/>
           </a:p>
@@ -4005,7 +4186,7 @@
           <a:p>
             <a:fld id="{F6FA2B21-3FCD-4721-B95C-427943F61125}" type="datetime1">
               <a:rPr lang="en-US" smtClean="0"/>
-              <a:t>3/25/2021</a:t>
+              <a:t>3/29/2021</a:t>
             </a:fld>
             <a:endParaRPr lang="en-US" dirty="0"/>
           </a:p>
@@ -4176,7 +4357,7 @@
           <a:p>
             <a:fld id="{F6FA2B21-3FCD-4721-B95C-427943F61125}" type="datetime1">
               <a:rPr lang="en-US" smtClean="0"/>
-              <a:t>3/25/2021</a:t>
+              <a:t>3/29/2021</a:t>
             </a:fld>
             <a:endParaRPr lang="en-US" dirty="0"/>
           </a:p>
@@ -4357,7 +4538,7 @@
           <a:p>
             <a:fld id="{F6FA2B21-3FCD-4721-B95C-427943F61125}" type="datetime1">
               <a:rPr lang="en-US" smtClean="0"/>
-              <a:t>3/25/2021</a:t>
+              <a:t>3/29/2021</a:t>
             </a:fld>
             <a:endParaRPr lang="en-US" dirty="0"/>
           </a:p>
@@ -4534,7 +4715,7 @@
           <a:p>
             <a:fld id="{7332B432-ACDA-4023-A761-2BAB76577B62}" type="datetime1">
               <a:rPr lang="en-US" smtClean="0"/>
-              <a:t>3/25/2021</a:t>
+              <a:t>3/29/2021</a:t>
             </a:fld>
             <a:endParaRPr lang="en-US" dirty="0"/>
           </a:p>
@@ -4781,7 +4962,7 @@
           <a:p>
             <a:fld id="{D9C646AA-F36E-4540-911D-FFFC0A0EF24A}" type="datetime1">
               <a:rPr lang="en-US" smtClean="0"/>
-              <a:t>3/25/2021</a:t>
+              <a:t>3/29/2021</a:t>
             </a:fld>
             <a:endParaRPr lang="en-US" dirty="0"/>
           </a:p>
@@ -5013,7 +5194,7 @@
           <a:p>
             <a:fld id="{69186D26-FA5F-4637-B602-B7C2DC34CFD4}" type="datetime1">
               <a:rPr lang="en-US" smtClean="0"/>
-              <a:t>3/25/2021</a:t>
+              <a:t>3/29/2021</a:t>
             </a:fld>
             <a:endParaRPr lang="en-US" dirty="0"/>
           </a:p>
@@ -5387,7 +5568,7 @@
           <a:p>
             <a:fld id="{8A7F15D8-96D1-4781-BC50-CA8A088B2FE4}" type="datetime1">
               <a:rPr lang="en-US" smtClean="0"/>
-              <a:t>3/25/2021</a:t>
+              <a:t>3/29/2021</a:t>
             </a:fld>
             <a:endParaRPr lang="en-US" dirty="0"/>
           </a:p>
@@ -5510,7 +5691,7 @@
           <a:p>
             <a:fld id="{F9A96C99-B8F8-4528-BD05-0E16E943DC09}" type="datetime1">
               <a:rPr lang="en-US" smtClean="0"/>
-              <a:t>3/25/2021</a:t>
+              <a:t>3/29/2021</a:t>
             </a:fld>
             <a:endParaRPr lang="en-US" dirty="0"/>
           </a:p>
@@ -5605,7 +5786,7 @@
           <a:p>
             <a:fld id="{03636942-C211-4B28-8DBD-C953E00AF71B}" type="datetime1">
               <a:rPr lang="en-US" smtClean="0"/>
-              <a:t>3/25/2021</a:t>
+              <a:t>3/29/2021</a:t>
             </a:fld>
             <a:endParaRPr lang="en-US" dirty="0"/>
           </a:p>
@@ -5860,7 +6041,7 @@
           <a:p>
             <a:fld id="{7E8D12A6-918A-48BD-8CB9-CA713993B0EA}" type="datetime1">
               <a:rPr lang="en-US" smtClean="0"/>
-              <a:t>3/25/2021</a:t>
+              <a:t>3/29/2021</a:t>
             </a:fld>
             <a:endParaRPr lang="en-US" dirty="0"/>
           </a:p>
@@ -6124,7 +6305,7 @@
             <a:fld id="{E778CE86-875F-4587-BCF6-FA054AFC0D53}" type="datetime1">
               <a:rPr lang="en-US" smtClean="0"/>
               <a:pPr/>
-              <a:t>3/25/2021</a:t>
+              <a:t>3/29/2021</a:t>
             </a:fld>
             <a:endParaRPr lang="en-US" dirty="0"/>
           </a:p>
@@ -6868,7 +7049,7 @@
           <a:p>
             <a:fld id="{F6FA2B21-3FCD-4721-B95C-427943F61125}" type="datetime1">
               <a:rPr lang="en-US" smtClean="0"/>
-              <a:t>3/25/2021</a:t>
+              <a:t>3/29/2021</a:t>
             </a:fld>
             <a:endParaRPr lang="en-US" dirty="0"/>
           </a:p>
@@ -7601,7 +7782,12 @@
             <p:ph type="title"/>
           </p:nvPr>
         </p:nvSpPr>
-        <p:spPr/>
+        <p:spPr>
+          <a:xfrm>
+            <a:off x="677333" y="609600"/>
+            <a:ext cx="4326325" cy="1320800"/>
+          </a:xfrm>
+        </p:spPr>
         <p:txBody>
           <a:bodyPr/>
           <a:lstStyle/>
@@ -7612,129 +7798,60 @@
             </a:r>
             <a:r>
               <a:rPr lang="de-DE" dirty="0"/>
-              <a:t> HUB</a:t>
-            </a:r>
-          </a:p>
-        </p:txBody>
-      </p:sp>
-      <p:sp>
-        <p:nvSpPr>
-          <p:cNvPr id="5" name="Text Placeholder 4">
+              <a:t> Editor</a:t>
+            </a:r>
+            <a:br>
+              <a:rPr lang="de-DE" dirty="0"/>
+            </a:br>
+            <a:r>
+              <a:rPr lang="de-DE" dirty="0"/>
+              <a:t>(API </a:t>
+            </a:r>
+            <a:r>
+              <a:rPr lang="de-DE" dirty="0" err="1"/>
+              <a:t>first</a:t>
+            </a:r>
+            <a:r>
+              <a:rPr lang="de-DE" dirty="0"/>
+              <a:t>)</a:t>
+            </a:r>
+          </a:p>
+        </p:txBody>
+      </p:sp>
+      <p:pic>
+        <p:nvPicPr>
+          <p:cNvPr id="12" name="Picture 11">
             <a:extLst>
               <a:ext uri="{FF2B5EF4-FFF2-40B4-BE49-F238E27FC236}">
-                <a16:creationId xmlns:a16="http://schemas.microsoft.com/office/drawing/2014/main" id="{C7629C81-6960-4B61-AC56-BE23BDB81BDD}"/>
+                <a16:creationId xmlns:a16="http://schemas.microsoft.com/office/drawing/2014/main" id="{CA8EB9A1-7552-414B-826A-1D43AB3F9AA3}"/>
               </a:ext>
             </a:extLst>
           </p:cNvPr>
-          <p:cNvSpPr>
-            <a:spLocks noGrp="1"/>
-          </p:cNvSpPr>
-          <p:nvPr>
-            <p:ph type="body" idx="1"/>
-          </p:nvPr>
-        </p:nvSpPr>
+          <p:cNvPicPr>
+            <a:picLocks noChangeAspect="1"/>
+          </p:cNvPicPr>
+          <p:nvPr/>
+        </p:nvPicPr>
+        <p:blipFill>
+          <a:blip r:embed="rId3"/>
+          <a:stretch>
+            <a:fillRect/>
+          </a:stretch>
+        </p:blipFill>
         <p:spPr>
           <a:xfrm>
-            <a:off x="675746" y="2160983"/>
-            <a:ext cx="2868732" cy="576262"/>
+            <a:off x="677333" y="1846904"/>
+            <a:ext cx="6429031" cy="4896328"/>
           </a:xfrm>
+          <a:prstGeom prst="rect">
+            <a:avLst/>
+          </a:prstGeom>
         </p:spPr>
-        <p:txBody>
-          <a:bodyPr/>
-          <a:lstStyle/>
-          <a:p>
-            <a:r>
-              <a:rPr lang="de-DE" dirty="0"/>
-              <a:t>Uniformation </a:t>
-            </a:r>
-            <a:r>
-              <a:rPr lang="de-DE" dirty="0" err="1"/>
-              <a:t>rules</a:t>
-            </a:r>
-            <a:endParaRPr lang="de-DE" dirty="0"/>
-          </a:p>
-        </p:txBody>
-      </p:sp>
-      <p:sp>
-        <p:nvSpPr>
-          <p:cNvPr id="6" name="Content Placeholder 5">
-            <a:extLst>
-              <a:ext uri="{FF2B5EF4-FFF2-40B4-BE49-F238E27FC236}">
-                <a16:creationId xmlns:a16="http://schemas.microsoft.com/office/drawing/2014/main" id="{E5347A2D-288F-4219-AFF2-953886650F42}"/>
-              </a:ext>
-            </a:extLst>
-          </p:cNvPr>
-          <p:cNvSpPr>
-            <a:spLocks noGrp="1"/>
-          </p:cNvSpPr>
-          <p:nvPr>
-            <p:ph sz="half" idx="2"/>
-          </p:nvPr>
-        </p:nvSpPr>
-        <p:spPr>
-          <a:xfrm>
-            <a:off x="675745" y="2737245"/>
-            <a:ext cx="3679439" cy="3304116"/>
-          </a:xfrm>
-        </p:spPr>
-        <p:txBody>
-          <a:bodyPr>
-            <a:normAutofit/>
-          </a:bodyPr>
-          <a:lstStyle/>
-          <a:p>
-            <a:r>
-              <a:rPr lang="de-DE" sz="1400" dirty="0" err="1"/>
-              <a:t>Enforce</a:t>
-            </a:r>
-            <a:r>
-              <a:rPr lang="de-DE" sz="1400" dirty="0"/>
-              <a:t> </a:t>
-            </a:r>
-            <a:r>
-              <a:rPr lang="de-DE" sz="1400" dirty="0" err="1"/>
-              <a:t>consistency</a:t>
-            </a:r>
-            <a:r>
-              <a:rPr lang="de-DE" sz="1400" dirty="0"/>
-              <a:t> </a:t>
-            </a:r>
-            <a:r>
-              <a:rPr lang="de-DE" sz="1400" dirty="0" err="1"/>
-              <a:t>across</a:t>
-            </a:r>
-            <a:r>
-              <a:rPr lang="de-DE" sz="1400" dirty="0"/>
-              <a:t> APIs</a:t>
-            </a:r>
-          </a:p>
-          <a:p>
-            <a:r>
-              <a:rPr lang="de-DE" sz="1400" dirty="0" err="1"/>
-              <a:t>Predefined</a:t>
-            </a:r>
-            <a:r>
-              <a:rPr lang="de-DE" sz="1400" dirty="0"/>
-              <a:t> </a:t>
-            </a:r>
-            <a:r>
-              <a:rPr lang="de-DE" sz="1400" dirty="0" err="1"/>
-              <a:t>checkboxes</a:t>
-            </a:r>
-            <a:endParaRPr lang="de-DE" sz="1400" dirty="0"/>
-          </a:p>
-          <a:p>
-            <a:r>
-              <a:rPr lang="de-DE" sz="1400" dirty="0"/>
-              <a:t>Custom Rules</a:t>
-            </a:r>
-          </a:p>
-        </p:txBody>
-      </p:sp>
+      </p:pic>
     </p:spTree>
     <p:extLst>
       <p:ext uri="{BB962C8B-B14F-4D97-AF65-F5344CB8AC3E}">
-        <p14:creationId xmlns:p14="http://schemas.microsoft.com/office/powerpoint/2010/main" val="645015544"/>
+        <p14:creationId xmlns:p14="http://schemas.microsoft.com/office/powerpoint/2010/main" val="3120236462"/>
       </p:ext>
     </p:extLst>
   </p:cSld>
@@ -7779,516 +7896,6 @@
         </p:nvSpPr>
         <p:spPr>
           <a:xfrm>
-            <a:off x="677334" y="609600"/>
-            <a:ext cx="4111482" cy="1320800"/>
-          </a:xfrm>
-        </p:spPr>
-        <p:txBody>
-          <a:bodyPr/>
-          <a:lstStyle/>
-          <a:p>
-            <a:r>
-              <a:rPr lang="de-DE" dirty="0" err="1"/>
-              <a:t>Swagger</a:t>
-            </a:r>
-            <a:r>
-              <a:rPr lang="de-DE" dirty="0"/>
-              <a:t> Editor</a:t>
-            </a:r>
-          </a:p>
-        </p:txBody>
-      </p:sp>
-      <p:sp>
-        <p:nvSpPr>
-          <p:cNvPr id="5" name="Text Placeholder 4">
-            <a:extLst>
-              <a:ext uri="{FF2B5EF4-FFF2-40B4-BE49-F238E27FC236}">
-                <a16:creationId xmlns:a16="http://schemas.microsoft.com/office/drawing/2014/main" id="{C7629C81-6960-4B61-AC56-BE23BDB81BDD}"/>
-              </a:ext>
-            </a:extLst>
-          </p:cNvPr>
-          <p:cNvSpPr>
-            <a:spLocks noGrp="1"/>
-          </p:cNvSpPr>
-          <p:nvPr>
-            <p:ph type="body" idx="1"/>
-          </p:nvPr>
-        </p:nvSpPr>
-        <p:spPr>
-          <a:xfrm>
-            <a:off x="675746" y="2160983"/>
-            <a:ext cx="2868732" cy="576262"/>
-          </a:xfrm>
-        </p:spPr>
-        <p:txBody>
-          <a:bodyPr/>
-          <a:lstStyle/>
-          <a:p>
-            <a:r>
-              <a:rPr lang="de-DE" dirty="0"/>
-              <a:t>API </a:t>
-            </a:r>
-            <a:r>
-              <a:rPr lang="de-DE" dirty="0" err="1"/>
-              <a:t>specification</a:t>
-            </a:r>
-            <a:endParaRPr lang="de-DE" dirty="0"/>
-          </a:p>
-        </p:txBody>
-      </p:sp>
-      <p:sp>
-        <p:nvSpPr>
-          <p:cNvPr id="6" name="Content Placeholder 5">
-            <a:extLst>
-              <a:ext uri="{FF2B5EF4-FFF2-40B4-BE49-F238E27FC236}">
-                <a16:creationId xmlns:a16="http://schemas.microsoft.com/office/drawing/2014/main" id="{E5347A2D-288F-4219-AFF2-953886650F42}"/>
-              </a:ext>
-            </a:extLst>
-          </p:cNvPr>
-          <p:cNvSpPr>
-            <a:spLocks noGrp="1"/>
-          </p:cNvSpPr>
-          <p:nvPr>
-            <p:ph sz="half" idx="2"/>
-          </p:nvPr>
-        </p:nvSpPr>
-        <p:spPr>
-          <a:xfrm>
-            <a:off x="675745" y="2737245"/>
-            <a:ext cx="4111482" cy="3304116"/>
-          </a:xfrm>
-        </p:spPr>
-        <p:txBody>
-          <a:bodyPr vert="horz" lIns="91440" tIns="45720" rIns="91440" bIns="45720" rtlCol="0">
-            <a:normAutofit/>
-          </a:bodyPr>
-          <a:lstStyle/>
-          <a:p>
-            <a:r>
-              <a:rPr lang="de-DE" dirty="0" err="1"/>
-              <a:t>Specify</a:t>
-            </a:r>
-            <a:r>
-              <a:rPr lang="de-DE" dirty="0"/>
-              <a:t> </a:t>
-            </a:r>
-            <a:r>
-              <a:rPr lang="de-DE" dirty="0" err="1"/>
-              <a:t>endpoints</a:t>
-            </a:r>
-            <a:endParaRPr lang="de-DE" dirty="0"/>
-          </a:p>
-          <a:p>
-            <a:r>
-              <a:rPr lang="de-DE" dirty="0" err="1"/>
-              <a:t>Specify</a:t>
-            </a:r>
-            <a:r>
-              <a:rPr lang="de-DE" dirty="0"/>
-              <a:t> </a:t>
-            </a:r>
-            <a:r>
-              <a:rPr lang="de-DE" dirty="0" err="1"/>
-              <a:t>parameters</a:t>
-            </a:r>
-            <a:endParaRPr lang="de-DE" dirty="0"/>
-          </a:p>
-        </p:txBody>
-      </p:sp>
-      <p:sp>
-        <p:nvSpPr>
-          <p:cNvPr id="3" name="Content Placeholder 2">
-            <a:extLst>
-              <a:ext uri="{FF2B5EF4-FFF2-40B4-BE49-F238E27FC236}">
-                <a16:creationId xmlns:a16="http://schemas.microsoft.com/office/drawing/2014/main" id="{716C44EE-4A93-44B6-BC46-C43029E2C2F3}"/>
-              </a:ext>
-            </a:extLst>
-          </p:cNvPr>
-          <p:cNvSpPr>
-            <a:spLocks noGrp="1"/>
-          </p:cNvSpPr>
-          <p:nvPr>
-            <p:ph sz="quarter" idx="4"/>
-          </p:nvPr>
-        </p:nvSpPr>
-        <p:spPr/>
-        <p:txBody>
-          <a:bodyPr>
-            <a:normAutofit/>
-          </a:bodyPr>
-          <a:lstStyle/>
-          <a:p>
-            <a:r>
-              <a:rPr lang="de-DE" dirty="0" err="1"/>
-              <a:t>Overview</a:t>
-            </a:r>
-            <a:r>
-              <a:rPr lang="de-DE" dirty="0"/>
-              <a:t> all/</a:t>
-            </a:r>
-            <a:r>
-              <a:rPr lang="de-DE" dirty="0" err="1"/>
-              <a:t>grouped</a:t>
-            </a:r>
-            <a:r>
-              <a:rPr lang="de-DE" dirty="0"/>
-              <a:t> </a:t>
-            </a:r>
-            <a:r>
-              <a:rPr lang="de-DE" dirty="0" err="1"/>
-              <a:t>requests</a:t>
-            </a:r>
-            <a:endParaRPr lang="de-DE" dirty="0"/>
-          </a:p>
-          <a:p>
-            <a:r>
-              <a:rPr lang="de-DE" dirty="0"/>
-              <a:t>Test </a:t>
-            </a:r>
-            <a:r>
-              <a:rPr lang="de-DE" dirty="0" err="1"/>
-              <a:t>requests</a:t>
-            </a:r>
-            <a:endParaRPr lang="de-DE" dirty="0"/>
-          </a:p>
-        </p:txBody>
-      </p:sp>
-      <p:sp>
-        <p:nvSpPr>
-          <p:cNvPr id="10" name="Text Placeholder 9">
-            <a:extLst>
-              <a:ext uri="{FF2B5EF4-FFF2-40B4-BE49-F238E27FC236}">
-                <a16:creationId xmlns:a16="http://schemas.microsoft.com/office/drawing/2014/main" id="{D26E334C-3C27-48F7-A54D-A8C69575ECF4}"/>
-              </a:ext>
-            </a:extLst>
-          </p:cNvPr>
-          <p:cNvSpPr>
-            <a:spLocks noGrp="1"/>
-          </p:cNvSpPr>
-          <p:nvPr>
-            <p:ph type="body" sz="quarter" idx="3"/>
-          </p:nvPr>
-        </p:nvSpPr>
-        <p:spPr/>
-        <p:txBody>
-          <a:bodyPr/>
-          <a:lstStyle/>
-          <a:p>
-            <a:r>
-              <a:rPr lang="de-DE" dirty="0"/>
-              <a:t>Interactive API </a:t>
-            </a:r>
-            <a:r>
-              <a:rPr lang="de-DE" dirty="0" err="1"/>
-              <a:t>visualization</a:t>
-            </a:r>
-            <a:endParaRPr lang="de-DE" dirty="0"/>
-          </a:p>
-        </p:txBody>
-      </p:sp>
-      <p:sp>
-        <p:nvSpPr>
-          <p:cNvPr id="7" name="Title 3">
-            <a:extLst>
-              <a:ext uri="{FF2B5EF4-FFF2-40B4-BE49-F238E27FC236}">
-                <a16:creationId xmlns:a16="http://schemas.microsoft.com/office/drawing/2014/main" id="{BA949CDF-1928-44C2-8285-7BD27FC0E3A4}"/>
-              </a:ext>
-            </a:extLst>
-          </p:cNvPr>
-          <p:cNvSpPr txBox="1">
-            <a:spLocks/>
-          </p:cNvSpPr>
-          <p:nvPr/>
-        </p:nvSpPr>
-        <p:spPr>
-          <a:xfrm>
-            <a:off x="5088383" y="609600"/>
-            <a:ext cx="4111482" cy="1320800"/>
-          </a:xfrm>
-          <a:prstGeom prst="rect">
-            <a:avLst/>
-          </a:prstGeom>
-        </p:spPr>
-        <p:txBody>
-          <a:bodyPr vert="horz" lIns="91440" tIns="45720" rIns="91440" bIns="45720" rtlCol="0" anchor="t">
-            <a:normAutofit/>
-          </a:bodyPr>
-          <a:lstStyle>
-            <a:lvl1pPr algn="l" defTabSz="457200" rtl="0" eaLnBrk="1" latinLnBrk="0" hangingPunct="1">
-              <a:spcBef>
-                <a:spcPct val="0"/>
-              </a:spcBef>
-              <a:buNone/>
-              <a:defRPr sz="3600" kern="1200">
-                <a:solidFill>
-                  <a:schemeClr val="accent1"/>
-                </a:solidFill>
-                <a:latin typeface="+mj-lt"/>
-                <a:ea typeface="+mj-ea"/>
-                <a:cs typeface="+mj-cs"/>
-              </a:defRPr>
-            </a:lvl1pPr>
-            <a:lvl2pPr eaLnBrk="1" hangingPunct="1">
-              <a:defRPr>
-                <a:solidFill>
-                  <a:schemeClr val="tx2"/>
-                </a:solidFill>
-              </a:defRPr>
-            </a:lvl2pPr>
-            <a:lvl3pPr eaLnBrk="1" hangingPunct="1">
-              <a:defRPr>
-                <a:solidFill>
-                  <a:schemeClr val="tx2"/>
-                </a:solidFill>
-              </a:defRPr>
-            </a:lvl3pPr>
-            <a:lvl4pPr eaLnBrk="1" hangingPunct="1">
-              <a:defRPr>
-                <a:solidFill>
-                  <a:schemeClr val="tx2"/>
-                </a:solidFill>
-              </a:defRPr>
-            </a:lvl4pPr>
-            <a:lvl5pPr eaLnBrk="1" hangingPunct="1">
-              <a:defRPr>
-                <a:solidFill>
-                  <a:schemeClr val="tx2"/>
-                </a:solidFill>
-              </a:defRPr>
-            </a:lvl5pPr>
-            <a:lvl6pPr eaLnBrk="1" hangingPunct="1">
-              <a:defRPr>
-                <a:solidFill>
-                  <a:schemeClr val="tx2"/>
-                </a:solidFill>
-              </a:defRPr>
-            </a:lvl6pPr>
-            <a:lvl7pPr eaLnBrk="1" hangingPunct="1">
-              <a:defRPr>
-                <a:solidFill>
-                  <a:schemeClr val="tx2"/>
-                </a:solidFill>
-              </a:defRPr>
-            </a:lvl7pPr>
-            <a:lvl8pPr eaLnBrk="1" hangingPunct="1">
-              <a:defRPr>
-                <a:solidFill>
-                  <a:schemeClr val="tx2"/>
-                </a:solidFill>
-              </a:defRPr>
-            </a:lvl8pPr>
-            <a:lvl9pPr eaLnBrk="1" hangingPunct="1">
-              <a:defRPr>
-                <a:solidFill>
-                  <a:schemeClr val="tx2"/>
-                </a:solidFill>
-              </a:defRPr>
-            </a:lvl9pPr>
-          </a:lstStyle>
-          <a:p>
-            <a:r>
-              <a:rPr lang="de-DE" dirty="0" err="1"/>
-              <a:t>Swagger</a:t>
-            </a:r>
-            <a:r>
-              <a:rPr lang="de-DE" dirty="0"/>
-              <a:t> UI</a:t>
-            </a:r>
-          </a:p>
-        </p:txBody>
-      </p:sp>
-    </p:spTree>
-    <p:extLst>
-      <p:ext uri="{BB962C8B-B14F-4D97-AF65-F5344CB8AC3E}">
-        <p14:creationId xmlns:p14="http://schemas.microsoft.com/office/powerpoint/2010/main" val="3120236462"/>
-      </p:ext>
-    </p:extLst>
-  </p:cSld>
-  <p:clrMapOvr>
-    <a:masterClrMapping/>
-  </p:clrMapOvr>
-</p:sld>
-</file>
-
-<file path=ppt/slides/slide12.xml><?xml version="1.0" encoding="utf-8"?>
-<p:sld xmlns:a="http://schemas.openxmlformats.org/drawingml/2006/main" xmlns:r="http://schemas.openxmlformats.org/officeDocument/2006/relationships" xmlns:p="http://schemas.openxmlformats.org/presentationml/2006/main">
-  <p:cSld>
-    <p:spTree>
-      <p:nvGrpSpPr>
-        <p:cNvPr id="1" name=""/>
-        <p:cNvGrpSpPr/>
-        <p:nvPr/>
-      </p:nvGrpSpPr>
-      <p:grpSpPr>
-        <a:xfrm>
-          <a:off x="0" y="0"/>
-          <a:ext cx="0" cy="0"/>
-          <a:chOff x="0" y="0"/>
-          <a:chExt cx="0" cy="0"/>
-        </a:xfrm>
-      </p:grpSpPr>
-      <p:sp>
-        <p:nvSpPr>
-          <p:cNvPr id="8" name="Title 7">
-            <a:extLst>
-              <a:ext uri="{FF2B5EF4-FFF2-40B4-BE49-F238E27FC236}">
-                <a16:creationId xmlns:a16="http://schemas.microsoft.com/office/drawing/2014/main" id="{8DD499D1-2C04-4553-99C5-65D33C0C8B87}"/>
-              </a:ext>
-            </a:extLst>
-          </p:cNvPr>
-          <p:cNvSpPr>
-            <a:spLocks noGrp="1"/>
-          </p:cNvSpPr>
-          <p:nvPr>
-            <p:ph type="title"/>
-          </p:nvPr>
-        </p:nvSpPr>
-        <p:spPr/>
-        <p:txBody>
-          <a:bodyPr/>
-          <a:lstStyle/>
-          <a:p>
-            <a:endParaRPr lang="de-DE"/>
-          </a:p>
-        </p:txBody>
-      </p:sp>
-      <p:sp>
-        <p:nvSpPr>
-          <p:cNvPr id="10" name="Text Placeholder 9">
-            <a:extLst>
-              <a:ext uri="{FF2B5EF4-FFF2-40B4-BE49-F238E27FC236}">
-                <a16:creationId xmlns:a16="http://schemas.microsoft.com/office/drawing/2014/main" id="{07F99146-F80C-477F-AE71-2F3E951AFD32}"/>
-              </a:ext>
-            </a:extLst>
-          </p:cNvPr>
-          <p:cNvSpPr>
-            <a:spLocks noGrp="1"/>
-          </p:cNvSpPr>
-          <p:nvPr>
-            <p:ph type="body" idx="1"/>
-          </p:nvPr>
-        </p:nvSpPr>
-        <p:spPr/>
-        <p:txBody>
-          <a:bodyPr/>
-          <a:lstStyle/>
-          <a:p>
-            <a:endParaRPr lang="de-DE"/>
-          </a:p>
-        </p:txBody>
-      </p:sp>
-      <p:pic>
-        <p:nvPicPr>
-          <p:cNvPr id="11" name="Picture 10">
-            <a:extLst>
-              <a:ext uri="{FF2B5EF4-FFF2-40B4-BE49-F238E27FC236}">
-                <a16:creationId xmlns:a16="http://schemas.microsoft.com/office/drawing/2014/main" id="{77E2F07B-4639-4921-8AF9-30E5EC46E126}"/>
-              </a:ext>
-            </a:extLst>
-          </p:cNvPr>
-          <p:cNvPicPr>
-            <a:picLocks noChangeAspect="1"/>
-          </p:cNvPicPr>
-          <p:nvPr/>
-        </p:nvPicPr>
-        <p:blipFill>
-          <a:blip r:embed="rId3"/>
-          <a:stretch>
-            <a:fillRect/>
-          </a:stretch>
-        </p:blipFill>
-        <p:spPr>
-          <a:xfrm>
-            <a:off x="218387" y="365212"/>
-            <a:ext cx="11755225" cy="5505699"/>
-          </a:xfrm>
-          <a:prstGeom prst="rect">
-            <a:avLst/>
-          </a:prstGeom>
-        </p:spPr>
-      </p:pic>
-      <p:sp>
-        <p:nvSpPr>
-          <p:cNvPr id="12" name="Rectangle 11">
-            <a:extLst>
-              <a:ext uri="{FF2B5EF4-FFF2-40B4-BE49-F238E27FC236}">
-                <a16:creationId xmlns:a16="http://schemas.microsoft.com/office/drawing/2014/main" id="{5796D9A8-7BCA-4F69-8BB0-EE29FC356E47}"/>
-              </a:ext>
-            </a:extLst>
-          </p:cNvPr>
-          <p:cNvSpPr/>
-          <p:nvPr/>
-        </p:nvSpPr>
-        <p:spPr>
-          <a:xfrm>
-            <a:off x="436776" y="5839373"/>
-            <a:ext cx="11755224" cy="369332"/>
-          </a:xfrm>
-          <a:prstGeom prst="rect">
-            <a:avLst/>
-          </a:prstGeom>
-        </p:spPr>
-        <p:txBody>
-          <a:bodyPr wrap="square">
-            <a:spAutoFit/>
-          </a:bodyPr>
-          <a:lstStyle/>
-          <a:p>
-            <a:r>
-              <a:rPr lang="de-DE" dirty="0"/>
-              <a:t>https://www.postman.com/use-cases/api-testing-automation/</a:t>
-            </a:r>
-          </a:p>
-        </p:txBody>
-      </p:sp>
-    </p:spTree>
-    <p:extLst>
-      <p:ext uri="{BB962C8B-B14F-4D97-AF65-F5344CB8AC3E}">
-        <p14:creationId xmlns:p14="http://schemas.microsoft.com/office/powerpoint/2010/main" val="2126495007"/>
-      </p:ext>
-    </p:extLst>
-  </p:cSld>
-  <p:clrMapOvr>
-    <a:masterClrMapping/>
-  </p:clrMapOvr>
-</p:sld>
-</file>
-
-<file path=ppt/slides/slide13.xml><?xml version="1.0" encoding="utf-8"?>
-<p:sld xmlns:a="http://schemas.openxmlformats.org/drawingml/2006/main" xmlns:r="http://schemas.openxmlformats.org/officeDocument/2006/relationships" xmlns:p="http://schemas.openxmlformats.org/presentationml/2006/main">
-  <p:cSld>
-    <p:spTree>
-      <p:nvGrpSpPr>
-        <p:cNvPr id="1" name=""/>
-        <p:cNvGrpSpPr/>
-        <p:nvPr/>
-      </p:nvGrpSpPr>
-      <p:grpSpPr>
-        <a:xfrm>
-          <a:off x="0" y="0"/>
-          <a:ext cx="0" cy="0"/>
-          <a:chOff x="0" y="0"/>
-          <a:chExt cx="0" cy="0"/>
-        </a:xfrm>
-      </p:grpSpPr>
-      <p:sp>
-        <p:nvSpPr>
-          <p:cNvPr id="4" name="Title 3">
-            <a:extLst>
-              <a:ext uri="{FF2B5EF4-FFF2-40B4-BE49-F238E27FC236}">
-                <a16:creationId xmlns:a16="http://schemas.microsoft.com/office/drawing/2014/main" id="{99EA9746-7CE3-4D3E-AB60-782D5B307DCF}"/>
-              </a:ext>
-            </a:extLst>
-          </p:cNvPr>
-          <p:cNvSpPr>
-            <a:spLocks noGrp="1"/>
-          </p:cNvSpPr>
-          <p:nvPr>
-            <p:ph type="title"/>
-          </p:nvPr>
-        </p:nvSpPr>
-        <p:spPr>
-          <a:xfrm>
             <a:off x="677333" y="609600"/>
             <a:ext cx="5418667" cy="1320800"/>
           </a:xfrm>
@@ -8298,6 +7905,10 @@
           <a:lstStyle/>
           <a:p>
             <a:r>
+              <a:rPr lang="de-DE" dirty="0"/>
+              <a:t>„</a:t>
+            </a:r>
+            <a:r>
               <a:rPr lang="de-DE" dirty="0" err="1"/>
               <a:t>Swagger</a:t>
             </a:r>
@@ -8315,9 +7926,27 @@
             </a:r>
             <a:r>
               <a:rPr lang="de-DE" dirty="0" err="1"/>
-              <a:t>Plugin</a:t>
-            </a:r>
-            <a:endParaRPr lang="de-DE" dirty="0"/>
+              <a:t>package</a:t>
+            </a:r>
+            <a:r>
+              <a:rPr lang="de-DE" dirty="0"/>
+              <a:t>“</a:t>
+            </a:r>
+            <a:br>
+              <a:rPr lang="de-DE" dirty="0"/>
+            </a:br>
+            <a:r>
+              <a:rPr lang="de-DE" dirty="0"/>
+              <a:t>(Code </a:t>
+            </a:r>
+            <a:r>
+              <a:rPr lang="de-DE" dirty="0" err="1"/>
+              <a:t>first</a:t>
+            </a:r>
+            <a:r>
+              <a:rPr lang="de-DE" dirty="0"/>
+              <a:t>)</a:t>
+            </a:r>
           </a:p>
         </p:txBody>
       </p:sp>
@@ -8692,7 +8321,7 @@
 </p:sld>
 </file>
 
-<file path=ppt/slides/slide14.xml><?xml version="1.0" encoding="utf-8"?>
+<file path=ppt/slides/slide12.xml><?xml version="1.0" encoding="utf-8"?>
 <p:sld xmlns:a="http://schemas.openxmlformats.org/drawingml/2006/main" xmlns:r="http://schemas.openxmlformats.org/officeDocument/2006/relationships" xmlns:p="http://schemas.openxmlformats.org/presentationml/2006/main">
   <p:cSld>
     <p:spTree>
@@ -8816,7 +8445,7 @@
 </p:sld>
 </file>
 
-<file path=ppt/slides/slide15.xml><?xml version="1.0" encoding="utf-8"?>
+<file path=ppt/slides/slide13.xml><?xml version="1.0" encoding="utf-8"?>
 <p:sld xmlns:a="http://schemas.openxmlformats.org/drawingml/2006/main" xmlns:r="http://schemas.openxmlformats.org/officeDocument/2006/relationships" xmlns:p="http://schemas.openxmlformats.org/presentationml/2006/main">
   <p:cSld>
     <p:bg>
@@ -9681,7 +9310,7 @@
           <p:cNvPr id="2" name="Title 1">
             <a:extLst>
               <a:ext uri="{FF2B5EF4-FFF2-40B4-BE49-F238E27FC236}">
-                <a16:creationId xmlns:a16="http://schemas.microsoft.com/office/drawing/2014/main" id="{0473D4B9-C61D-49FF-A1CC-A871BA51BA65}"/>
+                <a16:creationId xmlns:a16="http://schemas.microsoft.com/office/drawing/2014/main" id="{B6B5EC04-F47E-474D-8A01-3A12BE52E7B7}"/>
               </a:ext>
             </a:extLst>
           </p:cNvPr>
@@ -9694,94 +9323,83 @@
         </p:nvSpPr>
         <p:spPr/>
         <p:txBody>
-          <a:bodyPr/>
+          <a:bodyPr>
+            <a:normAutofit fontScale="90000"/>
+          </a:bodyPr>
           <a:lstStyle/>
           <a:p>
             <a:r>
-              <a:rPr lang="de-DE" dirty="0" err="1"/>
-              <a:t>What</a:t>
-            </a:r>
-            <a:r>
-              <a:rPr lang="de-DE" dirty="0"/>
+              <a:rPr lang="de-DE" sz="13600" dirty="0" err="1"/>
+              <a:t>A</a:t>
+            </a:r>
+            <a:r>
+              <a:rPr lang="de-DE" sz="3600" dirty="0" err="1"/>
+              <a:t>pplication</a:t>
+            </a:r>
+            <a:r>
+              <a:rPr lang="de-DE" sz="3600" dirty="0"/>
               <a:t> </a:t>
             </a:r>
             <a:r>
-              <a:rPr lang="de-DE" dirty="0" err="1"/>
-              <a:t>is</a:t>
-            </a:r>
-            <a:r>
-              <a:rPr lang="de-DE" dirty="0"/>
-              <a:t> an API?</a:t>
-            </a:r>
-          </a:p>
-        </p:txBody>
-      </p:sp>
-      <p:pic>
-        <p:nvPicPr>
-          <p:cNvPr id="5" name="Picture 4">
+              <a:rPr lang="de-DE" sz="13600" dirty="0" err="1"/>
+              <a:t>P</a:t>
+            </a:r>
+            <a:r>
+              <a:rPr lang="de-DE" sz="3600" dirty="0" err="1"/>
+              <a:t>rogramming</a:t>
+            </a:r>
+            <a:r>
+              <a:rPr lang="de-DE" sz="3600" dirty="0"/>
+              <a:t> </a:t>
+            </a:r>
+            <a:r>
+              <a:rPr lang="de-DE" sz="13600" dirty="0"/>
+              <a:t>I</a:t>
+            </a:r>
+            <a:r>
+              <a:rPr lang="de-DE" sz="3600" dirty="0"/>
+              <a:t>nterface</a:t>
+            </a:r>
+            <a:endParaRPr lang="de-DE" sz="13600" dirty="0"/>
+          </a:p>
+        </p:txBody>
+      </p:sp>
+    </p:spTree>
+    <p:extLst>
+      <p:ext uri="{BB962C8B-B14F-4D97-AF65-F5344CB8AC3E}">
+        <p14:creationId xmlns:p14="http://schemas.microsoft.com/office/powerpoint/2010/main" val="2967863102"/>
+      </p:ext>
+    </p:extLst>
+  </p:cSld>
+  <p:clrMapOvr>
+    <a:masterClrMapping/>
+  </p:clrMapOvr>
+</p:sld>
+</file>
+
+<file path=ppt/slides/slide5.xml><?xml version="1.0" encoding="utf-8"?>
+<p:sld xmlns:a="http://schemas.openxmlformats.org/drawingml/2006/main" xmlns:r="http://schemas.openxmlformats.org/officeDocument/2006/relationships" xmlns:p="http://schemas.openxmlformats.org/presentationml/2006/main">
+  <p:cSld>
+    <p:spTree>
+      <p:nvGrpSpPr>
+        <p:cNvPr id="1" name=""/>
+        <p:cNvGrpSpPr/>
+        <p:nvPr/>
+      </p:nvGrpSpPr>
+      <p:grpSpPr>
+        <a:xfrm>
+          <a:off x="0" y="0"/>
+          <a:ext cx="0" cy="0"/>
+          <a:chOff x="0" y="0"/>
+          <a:chExt cx="0" cy="0"/>
+        </a:xfrm>
+      </p:grpSpPr>
+      <p:grpSp>
+        <p:nvGrpSpPr>
+          <p:cNvPr id="3" name="Group 2">
             <a:extLst>
               <a:ext uri="{FF2B5EF4-FFF2-40B4-BE49-F238E27FC236}">
-                <a16:creationId xmlns:a16="http://schemas.microsoft.com/office/drawing/2014/main" id="{2D85F4B7-FBE7-436E-8661-D89AE86B385E}"/>
-              </a:ext>
-            </a:extLst>
-          </p:cNvPr>
-          <p:cNvPicPr>
-            <a:picLocks noChangeAspect="1"/>
-          </p:cNvPicPr>
-          <p:nvPr/>
-        </p:nvPicPr>
-        <p:blipFill>
-          <a:blip r:embed="rId2"/>
-          <a:stretch>
-            <a:fillRect/>
-          </a:stretch>
-        </p:blipFill>
-        <p:spPr>
-          <a:xfrm>
-            <a:off x="2792652" y="1397851"/>
-            <a:ext cx="2556334" cy="2556334"/>
-          </a:xfrm>
-          <a:prstGeom prst="rect">
-            <a:avLst/>
-          </a:prstGeom>
-        </p:spPr>
-      </p:pic>
-      <p:pic>
-        <p:nvPicPr>
-          <p:cNvPr id="15" name="Picture 14">
-            <a:extLst>
-              <a:ext uri="{FF2B5EF4-FFF2-40B4-BE49-F238E27FC236}">
-                <a16:creationId xmlns:a16="http://schemas.microsoft.com/office/drawing/2014/main" id="{5A9D51D3-0353-4830-A274-501558C55F24}"/>
-              </a:ext>
-            </a:extLst>
-          </p:cNvPr>
-          <p:cNvPicPr>
-            <a:picLocks noChangeAspect="1"/>
-          </p:cNvPicPr>
-          <p:nvPr/>
-        </p:nvPicPr>
-        <p:blipFill>
-          <a:blip r:embed="rId3"/>
-          <a:stretch>
-            <a:fillRect/>
-          </a:stretch>
-        </p:blipFill>
-        <p:spPr>
-          <a:xfrm>
-            <a:off x="-367080" y="1293162"/>
-            <a:ext cx="2640609" cy="2640609"/>
-          </a:xfrm>
-          <a:prstGeom prst="rect">
-            <a:avLst/>
-          </a:prstGeom>
-        </p:spPr>
-      </p:pic>
-      <p:grpSp>
-        <p:nvGrpSpPr>
-          <p:cNvPr id="24" name="Group 23">
-            <a:extLst>
-              <a:ext uri="{FF2B5EF4-FFF2-40B4-BE49-F238E27FC236}">
-                <a16:creationId xmlns:a16="http://schemas.microsoft.com/office/drawing/2014/main" id="{F6E3D75D-9F25-4476-BD08-EFFF69D27BD6}"/>
+                <a16:creationId xmlns:a16="http://schemas.microsoft.com/office/drawing/2014/main" id="{82CC823E-0ABD-454A-8B09-6E639294EEE2}"/>
               </a:ext>
             </a:extLst>
           </p:cNvPr>
@@ -9790,18 +9408,48 @@
         </p:nvGrpSpPr>
         <p:grpSpPr>
           <a:xfrm>
-            <a:off x="7123570" y="1089110"/>
-            <a:ext cx="2741960" cy="2516772"/>
-            <a:chOff x="7560924" y="713660"/>
-            <a:chExt cx="2741960" cy="2516772"/>
+            <a:off x="-367080" y="1089110"/>
+            <a:ext cx="10232610" cy="5936633"/>
+            <a:chOff x="-367080" y="1089110"/>
+            <a:chExt cx="10232610" cy="5936633"/>
           </a:xfrm>
         </p:grpSpPr>
         <p:pic>
           <p:nvPicPr>
-            <p:cNvPr id="11" name="Picture 10">
+            <p:cNvPr id="5" name="Picture 4">
               <a:extLst>
                 <a:ext uri="{FF2B5EF4-FFF2-40B4-BE49-F238E27FC236}">
-                  <a16:creationId xmlns:a16="http://schemas.microsoft.com/office/drawing/2014/main" id="{691003CF-B4F3-40CA-9DF2-A47B536854D6}"/>
+                  <a16:creationId xmlns:a16="http://schemas.microsoft.com/office/drawing/2014/main" id="{2D85F4B7-FBE7-436E-8661-D89AE86B385E}"/>
+                </a:ext>
+              </a:extLst>
+            </p:cNvPr>
+            <p:cNvPicPr>
+              <a:picLocks noChangeAspect="1"/>
+            </p:cNvPicPr>
+            <p:nvPr/>
+          </p:nvPicPr>
+          <p:blipFill>
+            <a:blip r:embed="rId3"/>
+            <a:stretch>
+              <a:fillRect/>
+            </a:stretch>
+          </p:blipFill>
+          <p:spPr>
+            <a:xfrm>
+              <a:off x="2792652" y="1397851"/>
+              <a:ext cx="2556334" cy="2556334"/>
+            </a:xfrm>
+            <a:prstGeom prst="rect">
+              <a:avLst/>
+            </a:prstGeom>
+          </p:spPr>
+        </p:pic>
+        <p:pic>
+          <p:nvPicPr>
+            <p:cNvPr id="15" name="Picture 14">
+              <a:extLst>
+                <a:ext uri="{FF2B5EF4-FFF2-40B4-BE49-F238E27FC236}">
+                  <a16:creationId xmlns:a16="http://schemas.microsoft.com/office/drawing/2014/main" id="{5A9D51D3-0353-4830-A274-501558C55F24}"/>
                 </a:ext>
               </a:extLst>
             </p:cNvPr>
@@ -9818,20 +9466,101 @@
           </p:blipFill>
           <p:spPr>
             <a:xfrm>
-              <a:off x="7560924" y="1930400"/>
-              <a:ext cx="1300032" cy="1300032"/>
+              <a:off x="-367080" y="1293162"/>
+              <a:ext cx="2640609" cy="2640609"/>
             </a:xfrm>
             <a:prstGeom prst="rect">
               <a:avLst/>
             </a:prstGeom>
           </p:spPr>
         </p:pic>
+        <p:grpSp>
+          <p:nvGrpSpPr>
+            <p:cNvPr id="24" name="Group 23">
+              <a:extLst>
+                <a:ext uri="{FF2B5EF4-FFF2-40B4-BE49-F238E27FC236}">
+                  <a16:creationId xmlns:a16="http://schemas.microsoft.com/office/drawing/2014/main" id="{F6E3D75D-9F25-4476-BD08-EFFF69D27BD6}"/>
+                </a:ext>
+              </a:extLst>
+            </p:cNvPr>
+            <p:cNvGrpSpPr/>
+            <p:nvPr/>
+          </p:nvGrpSpPr>
+          <p:grpSpPr>
+            <a:xfrm>
+              <a:off x="7123570" y="1089110"/>
+              <a:ext cx="2741960" cy="2516772"/>
+              <a:chOff x="7560924" y="713660"/>
+              <a:chExt cx="2741960" cy="2516772"/>
+            </a:xfrm>
+          </p:grpSpPr>
+          <p:pic>
+            <p:nvPicPr>
+              <p:cNvPr id="11" name="Picture 10">
+                <a:extLst>
+                  <a:ext uri="{FF2B5EF4-FFF2-40B4-BE49-F238E27FC236}">
+                    <a16:creationId xmlns:a16="http://schemas.microsoft.com/office/drawing/2014/main" id="{691003CF-B4F3-40CA-9DF2-A47B536854D6}"/>
+                  </a:ext>
+                </a:extLst>
+              </p:cNvPr>
+              <p:cNvPicPr>
+                <a:picLocks noChangeAspect="1"/>
+              </p:cNvPicPr>
+              <p:nvPr/>
+            </p:nvPicPr>
+            <p:blipFill>
+              <a:blip r:embed="rId5"/>
+              <a:stretch>
+                <a:fillRect/>
+              </a:stretch>
+            </p:blipFill>
+            <p:spPr>
+              <a:xfrm>
+                <a:off x="7560924" y="1930400"/>
+                <a:ext cx="1300032" cy="1300032"/>
+              </a:xfrm>
+              <a:prstGeom prst="rect">
+                <a:avLst/>
+              </a:prstGeom>
+            </p:spPr>
+          </p:pic>
+          <p:pic>
+            <p:nvPicPr>
+              <p:cNvPr id="17" name="Picture 16">
+                <a:extLst>
+                  <a:ext uri="{FF2B5EF4-FFF2-40B4-BE49-F238E27FC236}">
+                    <a16:creationId xmlns:a16="http://schemas.microsoft.com/office/drawing/2014/main" id="{031D97DE-E7A5-466A-B662-D72336270264}"/>
+                  </a:ext>
+                </a:extLst>
+              </p:cNvPr>
+              <p:cNvPicPr>
+                <a:picLocks noChangeAspect="1"/>
+              </p:cNvPicPr>
+              <p:nvPr/>
+            </p:nvPicPr>
+            <p:blipFill>
+              <a:blip r:embed="rId6"/>
+              <a:stretch>
+                <a:fillRect/>
+              </a:stretch>
+            </p:blipFill>
+            <p:spPr>
+              <a:xfrm>
+                <a:off x="8160787" y="713660"/>
+                <a:ext cx="2142097" cy="2142097"/>
+              </a:xfrm>
+              <a:prstGeom prst="rect">
+                <a:avLst/>
+              </a:prstGeom>
+            </p:spPr>
+          </p:pic>
+        </p:grpSp>
         <p:pic>
           <p:nvPicPr>
-            <p:cNvPr id="17" name="Picture 16">
+            <p:cNvPr id="18" name="Picture 17">
               <a:extLst>
                 <a:ext uri="{FF2B5EF4-FFF2-40B4-BE49-F238E27FC236}">
-                  <a16:creationId xmlns:a16="http://schemas.microsoft.com/office/drawing/2014/main" id="{031D97DE-E7A5-466A-B662-D72336270264}"/>
+                  <a16:creationId xmlns:a16="http://schemas.microsoft.com/office/drawing/2014/main" id="{E691D84A-5155-495E-9569-2BC3E97E7416}"/>
                 </a:ext>
               </a:extLst>
             </p:cNvPr>
@@ -9841,15 +9570,15 @@
             <p:nvPr/>
           </p:nvPicPr>
           <p:blipFill>
-            <a:blip r:embed="rId5"/>
+            <a:blip r:embed="rId3"/>
             <a:stretch>
               <a:fillRect/>
             </a:stretch>
           </p:blipFill>
           <p:spPr>
             <a:xfrm>
-              <a:off x="8160787" y="713660"/>
-              <a:ext cx="2142097" cy="2142097"/>
+              <a:off x="2750514" y="4385134"/>
+              <a:ext cx="2640609" cy="2640609"/>
             </a:xfrm>
             <a:prstGeom prst="rect">
               <a:avLst/>
@@ -9857,36 +9586,46 @@
           </p:spPr>
         </p:pic>
       </p:grpSp>
-      <p:pic>
-        <p:nvPicPr>
-          <p:cNvPr id="18" name="Picture 17">
+      <p:sp>
+        <p:nvSpPr>
+          <p:cNvPr id="2" name="Title 1">
             <a:extLst>
               <a:ext uri="{FF2B5EF4-FFF2-40B4-BE49-F238E27FC236}">
-                <a16:creationId xmlns:a16="http://schemas.microsoft.com/office/drawing/2014/main" id="{E691D84A-5155-495E-9569-2BC3E97E7416}"/>
+                <a16:creationId xmlns:a16="http://schemas.microsoft.com/office/drawing/2014/main" id="{0473D4B9-C61D-49FF-A1CC-A871BA51BA65}"/>
               </a:ext>
             </a:extLst>
           </p:cNvPr>
-          <p:cNvPicPr>
-            <a:picLocks noChangeAspect="1"/>
-          </p:cNvPicPr>
-          <p:nvPr/>
-        </p:nvPicPr>
-        <p:blipFill>
-          <a:blip r:embed="rId2"/>
-          <a:stretch>
-            <a:fillRect/>
-          </a:stretch>
-        </p:blipFill>
-        <p:spPr>
-          <a:xfrm>
-            <a:off x="2750514" y="4385134"/>
-            <a:ext cx="2640609" cy="2640609"/>
-          </a:xfrm>
-          <a:prstGeom prst="rect">
-            <a:avLst/>
-          </a:prstGeom>
-        </p:spPr>
-      </p:pic>
+          <p:cNvSpPr>
+            <a:spLocks noGrp="1"/>
+          </p:cNvSpPr>
+          <p:nvPr>
+            <p:ph type="title"/>
+          </p:nvPr>
+        </p:nvSpPr>
+        <p:spPr/>
+        <p:txBody>
+          <a:bodyPr/>
+          <a:lstStyle/>
+          <a:p>
+            <a:r>
+              <a:rPr lang="de-DE" dirty="0" err="1"/>
+              <a:t>What</a:t>
+            </a:r>
+            <a:r>
+              <a:rPr lang="de-DE" dirty="0"/>
+              <a:t> </a:t>
+            </a:r>
+            <a:r>
+              <a:rPr lang="de-DE" dirty="0" err="1"/>
+              <a:t>is</a:t>
+            </a:r>
+            <a:r>
+              <a:rPr lang="de-DE" dirty="0"/>
+              <a:t> an API?</a:t>
+            </a:r>
+          </a:p>
+        </p:txBody>
+      </p:sp>
       <p:grpSp>
         <p:nvGrpSpPr>
           <p:cNvPr id="22" name="Group 21">
@@ -9922,7 +9661,7 @@
             <p:nvPr/>
           </p:nvPicPr>
           <p:blipFill>
-            <a:blip r:embed="rId6"/>
+            <a:blip r:embed="rId7"/>
             <a:stretch>
               <a:fillRect/>
             </a:stretch>
@@ -9952,7 +9691,7 @@
             <p:nvPr/>
           </p:nvPicPr>
           <p:blipFill>
-            <a:blip r:embed="rId6"/>
+            <a:blip r:embed="rId7"/>
             <a:stretch>
               <a:fillRect/>
             </a:stretch>
@@ -10003,7 +9742,7 @@
             <p:nvPr/>
           </p:nvPicPr>
           <p:blipFill>
-            <a:blip r:embed="rId6"/>
+            <a:blip r:embed="rId7"/>
             <a:stretch>
               <a:fillRect/>
             </a:stretch>
@@ -10033,7 +9772,7 @@
             <p:nvPr/>
           </p:nvPicPr>
           <p:blipFill>
-            <a:blip r:embed="rId6"/>
+            <a:blip r:embed="rId7"/>
             <a:stretch>
               <a:fillRect/>
             </a:stretch>
@@ -10064,7 +9803,7 @@
           <p:nvPr/>
         </p:nvPicPr>
         <p:blipFill>
-          <a:blip r:embed="rId7"/>
+          <a:blip r:embed="rId8"/>
           <a:stretch>
             <a:fillRect/>
           </a:stretch>
@@ -10114,7 +9853,7 @@
             <p:nvPr/>
           </p:nvPicPr>
           <p:blipFill>
-            <a:blip r:embed="rId6"/>
+            <a:blip r:embed="rId7"/>
             <a:stretch>
               <a:fillRect/>
             </a:stretch>
@@ -10144,7 +9883,7 @@
             <p:nvPr/>
           </p:nvPicPr>
           <p:blipFill>
-            <a:blip r:embed="rId6"/>
+            <a:blip r:embed="rId7"/>
             <a:stretch>
               <a:fillRect/>
             </a:stretch>
@@ -10175,7 +9914,7 @@
           <p:nvPr/>
         </p:nvPicPr>
         <p:blipFill>
-          <a:blip r:embed="rId7"/>
+          <a:blip r:embed="rId8"/>
           <a:stretch>
             <a:fillRect/>
           </a:stretch>
@@ -10200,95 +9939,225 @@
   <p:clrMapOvr>
     <a:masterClrMapping/>
   </p:clrMapOvr>
-</p:sld>
-</file>
-
-<file path=ppt/slides/slide5.xml><?xml version="1.0" encoding="utf-8"?>
-<p:sld xmlns:a="http://schemas.openxmlformats.org/drawingml/2006/main" xmlns:r="http://schemas.openxmlformats.org/officeDocument/2006/relationships" xmlns:p="http://schemas.openxmlformats.org/presentationml/2006/main">
-  <p:cSld>
-    <p:spTree>
-      <p:nvGrpSpPr>
-        <p:cNvPr id="1" name=""/>
-        <p:cNvGrpSpPr/>
-        <p:nvPr/>
-      </p:nvGrpSpPr>
-      <p:grpSpPr>
-        <a:xfrm>
-          <a:off x="0" y="0"/>
-          <a:ext cx="0" cy="0"/>
-          <a:chOff x="0" y="0"/>
-          <a:chExt cx="0" cy="0"/>
-        </a:xfrm>
-      </p:grpSpPr>
-      <p:sp>
-        <p:nvSpPr>
-          <p:cNvPr id="2" name="Title 1">
-            <a:extLst>
-              <a:ext uri="{FF2B5EF4-FFF2-40B4-BE49-F238E27FC236}">
-                <a16:creationId xmlns:a16="http://schemas.microsoft.com/office/drawing/2014/main" id="{B6B5EC04-F47E-474D-8A01-3A12BE52E7B7}"/>
-              </a:ext>
-            </a:extLst>
-          </p:cNvPr>
-          <p:cNvSpPr>
-            <a:spLocks noGrp="1"/>
-          </p:cNvSpPr>
-          <p:nvPr>
-            <p:ph type="title"/>
-          </p:nvPr>
-        </p:nvSpPr>
-        <p:spPr/>
-        <p:txBody>
-          <a:bodyPr>
-            <a:normAutofit fontScale="90000"/>
-          </a:bodyPr>
-          <a:lstStyle/>
-          <a:p>
-            <a:r>
-              <a:rPr lang="de-DE" sz="13600" dirty="0" err="1"/>
-              <a:t>A</a:t>
-            </a:r>
-            <a:r>
-              <a:rPr lang="de-DE" sz="3600" dirty="0" err="1"/>
-              <a:t>pplication</a:t>
-            </a:r>
-            <a:r>
-              <a:rPr lang="de-DE" sz="3600" dirty="0"/>
-              <a:t> </a:t>
-            </a:r>
-            <a:r>
-              <a:rPr lang="de-DE" sz="13600" dirty="0" err="1"/>
-              <a:t>P</a:t>
-            </a:r>
-            <a:r>
-              <a:rPr lang="de-DE" sz="3600" dirty="0" err="1"/>
-              <a:t>rogramming</a:t>
-            </a:r>
-            <a:r>
-              <a:rPr lang="de-DE" sz="3600" dirty="0"/>
-              <a:t> </a:t>
-            </a:r>
-            <a:r>
-              <a:rPr lang="de-DE" sz="13600" dirty="0"/>
-              <a:t>I</a:t>
-            </a:r>
-            <a:r>
-              <a:rPr lang="de-DE" sz="3600" dirty="0"/>
-              <a:t>nterface</a:t>
-            </a:r>
-            <a:endParaRPr lang="de-DE" sz="13600" dirty="0"/>
-          </a:p>
-        </p:txBody>
-      </p:sp>
-    </p:spTree>
-    <p:extLst>
-      <p:ext uri="{BB962C8B-B14F-4D97-AF65-F5344CB8AC3E}">
-        <p14:creationId xmlns:p14="http://schemas.microsoft.com/office/powerpoint/2010/main" val="2967863102"/>
-      </p:ext>
-    </p:extLst>
-  </p:cSld>
-  <p:clrMapOvr>
-    <a:masterClrMapping/>
-  </p:clrMapOvr>
+  <p:timing>
+    <p:tnLst>
+      <p:par>
+        <p:cTn id="1" dur="indefinite" restart="never" nodeType="tmRoot">
+          <p:childTnLst>
+            <p:seq concurrent="1" nextAc="seek">
+              <p:cTn id="2" dur="indefinite" nodeType="mainSeq">
+                <p:childTnLst>
+                  <p:par>
+                    <p:cTn id="3" fill="hold">
+                      <p:stCondLst>
+                        <p:cond delay="indefinite"/>
+                      </p:stCondLst>
+                      <p:childTnLst>
+                        <p:par>
+                          <p:cTn id="4" fill="hold">
+                            <p:stCondLst>
+                              <p:cond delay="0"/>
+                            </p:stCondLst>
+                            <p:childTnLst>
+                              <p:par>
+                                <p:cTn id="5" presetID="1" presetClass="entr" presetSubtype="0" fill="hold" nodeType="clickEffect">
+                                  <p:stCondLst>
+                                    <p:cond delay="0"/>
+                                  </p:stCondLst>
+                                  <p:childTnLst>
+                                    <p:set>
+                                      <p:cBhvr>
+                                        <p:cTn id="6" dur="1" fill="hold">
+                                          <p:stCondLst>
+                                            <p:cond delay="0"/>
+                                          </p:stCondLst>
+                                        </p:cTn>
+                                        <p:tgtEl>
+                                          <p:spTgt spid="22"/>
+                                        </p:tgtEl>
+                                        <p:attrNameLst>
+                                          <p:attrName>style.visibility</p:attrName>
+                                        </p:attrNameLst>
+                                      </p:cBhvr>
+                                      <p:to>
+                                        <p:strVal val="visible"/>
+                                      </p:to>
+                                    </p:set>
+                                  </p:childTnLst>
+                                </p:cTn>
+                              </p:par>
+                            </p:childTnLst>
+                          </p:cTn>
+                        </p:par>
+                      </p:childTnLst>
+                    </p:cTn>
+                  </p:par>
+                  <p:par>
+                    <p:cTn id="7" fill="hold">
+                      <p:stCondLst>
+                        <p:cond delay="indefinite"/>
+                      </p:stCondLst>
+                      <p:childTnLst>
+                        <p:par>
+                          <p:cTn id="8" fill="hold">
+                            <p:stCondLst>
+                              <p:cond delay="0"/>
+                            </p:stCondLst>
+                            <p:childTnLst>
+                              <p:par>
+                                <p:cTn id="9" presetID="1" presetClass="entr" presetSubtype="0" fill="hold" nodeType="clickEffect">
+                                  <p:stCondLst>
+                                    <p:cond delay="0"/>
+                                  </p:stCondLst>
+                                  <p:childTnLst>
+                                    <p:set>
+                                      <p:cBhvr>
+                                        <p:cTn id="10" dur="1" fill="hold">
+                                          <p:stCondLst>
+                                            <p:cond delay="0"/>
+                                          </p:stCondLst>
+                                        </p:cTn>
+                                        <p:tgtEl>
+                                          <p:spTgt spid="31"/>
+                                        </p:tgtEl>
+                                        <p:attrNameLst>
+                                          <p:attrName>style.visibility</p:attrName>
+                                        </p:attrNameLst>
+                                      </p:cBhvr>
+                                      <p:to>
+                                        <p:strVal val="visible"/>
+                                      </p:to>
+                                    </p:set>
+                                  </p:childTnLst>
+                                </p:cTn>
+                              </p:par>
+                              <p:par>
+                                <p:cTn id="11" presetID="1" presetClass="entr" presetSubtype="0" fill="hold" nodeType="withEffect">
+                                  <p:stCondLst>
+                                    <p:cond delay="0"/>
+                                  </p:stCondLst>
+                                  <p:childTnLst>
+                                    <p:set>
+                                      <p:cBhvr>
+                                        <p:cTn id="12" dur="1" fill="hold">
+                                          <p:stCondLst>
+                                            <p:cond delay="0"/>
+                                          </p:stCondLst>
+                                        </p:cTn>
+                                        <p:tgtEl>
+                                          <p:spTgt spid="35"/>
+                                        </p:tgtEl>
+                                        <p:attrNameLst>
+                                          <p:attrName>style.visibility</p:attrName>
+                                        </p:attrNameLst>
+                                      </p:cBhvr>
+                                      <p:to>
+                                        <p:strVal val="visible"/>
+                                      </p:to>
+                                    </p:set>
+                                  </p:childTnLst>
+                                </p:cTn>
+                              </p:par>
+                            </p:childTnLst>
+                          </p:cTn>
+                        </p:par>
+                      </p:childTnLst>
+                    </p:cTn>
+                  </p:par>
+                  <p:par>
+                    <p:cTn id="13" fill="hold">
+                      <p:stCondLst>
+                        <p:cond delay="indefinite"/>
+                      </p:stCondLst>
+                      <p:childTnLst>
+                        <p:par>
+                          <p:cTn id="14" fill="hold">
+                            <p:stCondLst>
+                              <p:cond delay="0"/>
+                            </p:stCondLst>
+                            <p:childTnLst>
+                              <p:par>
+                                <p:cTn id="15" presetID="1" presetClass="entr" presetSubtype="0" fill="hold" nodeType="clickEffect">
+                                  <p:stCondLst>
+                                    <p:cond delay="0"/>
+                                  </p:stCondLst>
+                                  <p:childTnLst>
+                                    <p:set>
+                                      <p:cBhvr>
+                                        <p:cTn id="16" dur="1" fill="hold">
+                                          <p:stCondLst>
+                                            <p:cond delay="0"/>
+                                          </p:stCondLst>
+                                        </p:cTn>
+                                        <p:tgtEl>
+                                          <p:spTgt spid="36"/>
+                                        </p:tgtEl>
+                                        <p:attrNameLst>
+                                          <p:attrName>style.visibility</p:attrName>
+                                        </p:attrNameLst>
+                                      </p:cBhvr>
+                                      <p:to>
+                                        <p:strVal val="visible"/>
+                                      </p:to>
+                                    </p:set>
+                                  </p:childTnLst>
+                                </p:cTn>
+                              </p:par>
+                              <p:par>
+                                <p:cTn id="17" presetID="1" presetClass="entr" presetSubtype="0" fill="hold" nodeType="withEffect">
+                                  <p:stCondLst>
+                                    <p:cond delay="0"/>
+                                  </p:stCondLst>
+                                  <p:childTnLst>
+                                    <p:set>
+                                      <p:cBhvr>
+                                        <p:cTn id="18" dur="1" fill="hold">
+                                          <p:stCondLst>
+                                            <p:cond delay="0"/>
+                                          </p:stCondLst>
+                                        </p:cTn>
+                                        <p:tgtEl>
+                                          <p:spTgt spid="39"/>
+                                        </p:tgtEl>
+                                        <p:attrNameLst>
+                                          <p:attrName>style.visibility</p:attrName>
+                                        </p:attrNameLst>
+                                      </p:cBhvr>
+                                      <p:to>
+                                        <p:strVal val="visible"/>
+                                      </p:to>
+                                    </p:set>
+                                  </p:childTnLst>
+                                </p:cTn>
+                              </p:par>
+                            </p:childTnLst>
+                          </p:cTn>
+                        </p:par>
+                      </p:childTnLst>
+                    </p:cTn>
+                  </p:par>
+                </p:childTnLst>
+              </p:cTn>
+              <p:prevCondLst>
+                <p:cond evt="onPrev" delay="0">
+                  <p:tgtEl>
+                    <p:sldTgt/>
+                  </p:tgtEl>
+                </p:cond>
+              </p:prevCondLst>
+              <p:nextCondLst>
+                <p:cond evt="onNext" delay="0">
+                  <p:tgtEl>
+                    <p:sldTgt/>
+                  </p:tgtEl>
+                </p:cond>
+              </p:nextCondLst>
+            </p:seq>
+          </p:childTnLst>
+        </p:cTn>
+      </p:par>
+    </p:tnLst>
+  </p:timing>
 </p:sld>
 </file>
 
@@ -10478,6 +10347,38 @@
               <a:rPr lang="de-DE" sz="4800" dirty="0" err="1"/>
               <a:t>OpenAPI</a:t>
             </a:r>
+            <a:r>
+              <a:rPr lang="de-DE" sz="4800" dirty="0"/>
+              <a:t> </a:t>
+            </a:r>
+            <a:r>
+              <a:rPr lang="de-DE" dirty="0"/>
+              <a:t>(</a:t>
+            </a:r>
+            <a:r>
+              <a:rPr lang="de-DE" dirty="0" err="1"/>
+              <a:t>former</a:t>
+            </a:r>
+            <a:r>
+              <a:rPr lang="de-DE" dirty="0"/>
+              <a:t> </a:t>
+            </a:r>
+            <a:r>
+              <a:rPr lang="de-DE" i="1" dirty="0" err="1"/>
+              <a:t>Swagger</a:t>
+            </a:r>
+            <a:r>
+              <a:rPr lang="de-DE" i="1" dirty="0"/>
+              <a:t> </a:t>
+            </a:r>
+            <a:r>
+              <a:rPr lang="de-DE" i="1" dirty="0" err="1"/>
+              <a:t>Specification</a:t>
+            </a:r>
+            <a:r>
+              <a:rPr lang="de-DE" dirty="0"/>
+              <a:t>)</a:t>
+            </a:r>
             <a:br>
               <a:rPr lang="de-DE" sz="4800" dirty="0"/>
             </a:br>
@@ -12508,7 +12409,7 @@
             </a:r>
             <a:r>
               <a:rPr lang="de-DE" dirty="0" err="1"/>
-              <a:t>Testing</a:t>
+              <a:t>testing</a:t>
             </a:r>
             <a:endParaRPr lang="de-DE" dirty="0"/>
           </a:p>
@@ -13041,12 +12942,16 @@
           </a:lstStyle>
           <a:p>
             <a:r>
+              <a:rPr lang="de-DE" dirty="0" err="1"/>
+              <a:t>Functionality</a:t>
+            </a:r>
+            <a:r>
               <a:rPr lang="de-DE" dirty="0"/>
-              <a:t>Quality Assurance </a:t>
+              <a:t> </a:t>
             </a:r>
             <a:r>
               <a:rPr lang="de-DE" dirty="0" err="1"/>
-              <a:t>validation</a:t>
+              <a:t>testing</a:t>
             </a:r>
             <a:endParaRPr lang="de-DE" dirty="0"/>
           </a:p>
@@ -13580,24 +13485,29 @@
           <a:p>
             <a:r>
               <a:rPr lang="de-DE" dirty="0"/>
-              <a:t>Server </a:t>
+              <a:t>API </a:t>
             </a:r>
             <a:r>
               <a:rPr lang="de-DE" dirty="0" err="1"/>
-              <a:t>stubs</a:t>
+              <a:t>documentation</a:t>
             </a:r>
             <a:r>
               <a:rPr lang="de-DE" dirty="0"/>
-              <a:t> and </a:t>
+              <a:t> </a:t>
             </a:r>
             <a:r>
               <a:rPr lang="de-DE" dirty="0" err="1"/>
-              <a:t>client</a:t>
+              <a:t>to</a:t>
             </a:r>
             <a:r>
               <a:rPr lang="de-DE" dirty="0"/>
-              <a:t> SDKs</a:t>
-            </a:r>
+              <a:t> </a:t>
+            </a:r>
+            <a:r>
+              <a:rPr lang="de-DE" dirty="0" err="1"/>
+              <a:t>code</a:t>
+            </a:r>
+            <a:endParaRPr lang="de-DE" dirty="0"/>
           </a:p>
         </p:txBody>
       </p:sp>
@@ -14167,6 +14077,23 @@
 </file>
 
 <file path=customXml/item1.xml><?xml version="1.0" encoding="utf-8"?>
+<p:properties xmlns:p="http://schemas.microsoft.com/office/2006/metadata/properties" xmlns:xsi="http://www.w3.org/2001/XMLSchema-instance" xmlns:pc="http://schemas.microsoft.com/office/infopath/2007/PartnerControls">
+  <documentManagement>
+    <MediaServiceKeyPoints xmlns="5351b07a-d384-46a4-82f9-5d8a3f1dbe27" xsi:nil="true"/>
+  </documentManagement>
+</p:properties>
+</file>
+
+<file path=customXml/item2.xml><?xml version="1.0" encoding="utf-8"?>
+<?mso-contentType ?>
+<FormTemplates xmlns="http://schemas.microsoft.com/sharepoint/v3/contenttype/forms">
+  <Display>DocumentLibraryForm</Display>
+  <Edit>DocumentLibraryForm</Edit>
+  <New>DocumentLibraryForm</New>
+</FormTemplates>
+</file>
+
+<file path=customXml/item3.xml><?xml version="1.0" encoding="utf-8"?>
 <ct:contentTypeSchema xmlns:ct="http://schemas.microsoft.com/office/2006/metadata/contentType" xmlns:ma="http://schemas.microsoft.com/office/2006/metadata/properties/metaAttributes" ct:_="" ma:_="" ma:contentTypeName="Document" ma:contentTypeID="0x01010001258AE383E0A54EBA346C532F9EF553" ma:contentTypeVersion="13" ma:contentTypeDescription="Create a new document." ma:contentTypeScope="" ma:versionID="393edad69c4bda07320420d9de201ad9">
   <xsd:schema xmlns:xsd="http://www.w3.org/2001/XMLSchema" xmlns:xs="http://www.w3.org/2001/XMLSchema" xmlns:p="http://schemas.microsoft.com/office/2006/metadata/properties" xmlns:ns3="e064e622-39c0-4867-8d53-589003cebcd9" xmlns:ns4="5351b07a-d384-46a4-82f9-5d8a3f1dbe27" targetNamespace="http://schemas.microsoft.com/office/2006/metadata/properties" ma:root="true" ma:fieldsID="9a37557cfc7bfdf9bf399f3a60c42474" ns3:_="" ns4:_="">
     <xsd:import namespace="e064e622-39c0-4867-8d53-589003cebcd9"/>
@@ -14389,24 +14316,32 @@
 </ct:contentTypeSchema>
 </file>
 
-<file path=customXml/item2.xml><?xml version="1.0" encoding="utf-8"?>
-<?mso-contentType ?>
-<FormTemplates xmlns="http://schemas.microsoft.com/sharepoint/v3/contenttype/forms">
-  <Display>DocumentLibraryForm</Display>
-  <Edit>DocumentLibraryForm</Edit>
-  <New>DocumentLibraryForm</New>
-</FormTemplates>
+<file path=customXml/itemProps1.xml><?xml version="1.0" encoding="utf-8"?>
+<ds:datastoreItem xmlns:ds="http://schemas.openxmlformats.org/officeDocument/2006/customXml" ds:itemID="{137651BA-F45C-4845-9AB3-E0A65B39F5E1}">
+  <ds:schemaRefs>
+    <ds:schemaRef ds:uri="http://purl.org/dc/terms/"/>
+    <ds:schemaRef ds:uri="http://purl.org/dc/elements/1.1/"/>
+    <ds:schemaRef ds:uri="http://www.w3.org/XML/1998/namespace"/>
+    <ds:schemaRef ds:uri="http://schemas.microsoft.com/office/2006/documentManagement/types"/>
+    <ds:schemaRef ds:uri="http://schemas.openxmlformats.org/package/2006/metadata/core-properties"/>
+    <ds:schemaRef ds:uri="5351b07a-d384-46a4-82f9-5d8a3f1dbe27"/>
+    <ds:schemaRef ds:uri="http://schemas.microsoft.com/office/2006/metadata/properties"/>
+    <ds:schemaRef ds:uri="http://schemas.microsoft.com/office/infopath/2007/PartnerControls"/>
+    <ds:schemaRef ds:uri="e064e622-39c0-4867-8d53-589003cebcd9"/>
+    <ds:schemaRef ds:uri="http://purl.org/dc/dcmitype/"/>
+  </ds:schemaRefs>
+</ds:datastoreItem>
 </file>
 
-<file path=customXml/item3.xml><?xml version="1.0" encoding="utf-8"?>
-<p:properties xmlns:p="http://schemas.microsoft.com/office/2006/metadata/properties" xmlns:xsi="http://www.w3.org/2001/XMLSchema-instance" xmlns:pc="http://schemas.microsoft.com/office/infopath/2007/PartnerControls">
-  <documentManagement>
-    <MediaServiceKeyPoints xmlns="5351b07a-d384-46a4-82f9-5d8a3f1dbe27" xsi:nil="true"/>
-  </documentManagement>
-</p:properties>
+<file path=customXml/itemProps2.xml><?xml version="1.0" encoding="utf-8"?>
+<ds:datastoreItem xmlns:ds="http://schemas.openxmlformats.org/officeDocument/2006/customXml" ds:itemID="{CDB58277-F8DF-46FF-84EC-EF41B835E69F}">
+  <ds:schemaRefs>
+    <ds:schemaRef ds:uri="http://schemas.microsoft.com/sharepoint/v3/contenttype/forms"/>
+  </ds:schemaRefs>
+</ds:datastoreItem>
 </file>
 
-<file path=customXml/itemProps1.xml><?xml version="1.0" encoding="utf-8"?>
+<file path=customXml/itemProps3.xml><?xml version="1.0" encoding="utf-8"?>
 <ds:datastoreItem xmlns:ds="http://schemas.openxmlformats.org/officeDocument/2006/customXml" ds:itemID="{D289D453-31C6-47B6-BE74-BA020835D45A}">
   <ds:schemaRefs>
     <ds:schemaRef ds:uri="http://schemas.microsoft.com/office/2006/metadata/contentType"/>
@@ -14423,29 +14358,4 @@
     <ds:schemaRef ds:uri="http://schemas.microsoft.com/internal/obd"/>
   </ds:schemaRefs>
 </ds:datastoreItem>
-</file>
-
-<file path=customXml/itemProps2.xml><?xml version="1.0" encoding="utf-8"?>
-<ds:datastoreItem xmlns:ds="http://schemas.openxmlformats.org/officeDocument/2006/customXml" ds:itemID="{CDB58277-F8DF-46FF-84EC-EF41B835E69F}">
-  <ds:schemaRefs>
-    <ds:schemaRef ds:uri="http://schemas.microsoft.com/sharepoint/v3/contenttype/forms"/>
-  </ds:schemaRefs>
-</ds:datastoreItem>
-</file>
-
-<file path=customXml/itemProps3.xml><?xml version="1.0" encoding="utf-8"?>
-<ds:datastoreItem xmlns:ds="http://schemas.openxmlformats.org/officeDocument/2006/customXml" ds:itemID="{137651BA-F45C-4845-9AB3-E0A65B39F5E1}">
-  <ds:schemaRefs>
-    <ds:schemaRef ds:uri="http://purl.org/dc/terms/"/>
-    <ds:schemaRef ds:uri="http://purl.org/dc/elements/1.1/"/>
-    <ds:schemaRef ds:uri="http://www.w3.org/XML/1998/namespace"/>
-    <ds:schemaRef ds:uri="http://schemas.microsoft.com/office/2006/documentManagement/types"/>
-    <ds:schemaRef ds:uri="http://schemas.openxmlformats.org/package/2006/metadata/core-properties"/>
-    <ds:schemaRef ds:uri="5351b07a-d384-46a4-82f9-5d8a3f1dbe27"/>
-    <ds:schemaRef ds:uri="http://schemas.microsoft.com/office/2006/metadata/properties"/>
-    <ds:schemaRef ds:uri="http://schemas.microsoft.com/office/infopath/2007/PartnerControls"/>
-    <ds:schemaRef ds:uri="e064e622-39c0-4867-8d53-589003cebcd9"/>
-    <ds:schemaRef ds:uri="http://purl.org/dc/dcmitype/"/>
-  </ds:schemaRefs>
-</ds:datastoreItem>
 </file>